--- a/handouts/graphs/Graph Examples.pptx
+++ b/handouts/graphs/Graph Examples.pptx
@@ -9,7 +9,11 @@
     <p:sldId id="257" r:id="rId3"/>
     <p:sldId id="258" r:id="rId4"/>
     <p:sldId id="259" r:id="rId5"/>
-    <p:sldId id="260" r:id="rId6"/>
+    <p:sldId id="261" r:id="rId6"/>
+    <p:sldId id="262" r:id="rId7"/>
+    <p:sldId id="264" r:id="rId8"/>
+    <p:sldId id="263" r:id="rId9"/>
+    <p:sldId id="260" r:id="rId10"/>
   </p:sldIdLst>
   <p:sldSz cx="12192000" cy="6858000"/>
   <p:notesSz cx="6858000" cy="9144000"/>
@@ -3885,6 +3889,529 @@
           <a:chExt cx="0" cy="0"/>
         </a:xfrm>
       </p:grpSpPr>
+      <p:sp>
+        <p:nvSpPr>
+          <p:cNvPr id="2" name="Title 1"/>
+          <p:cNvSpPr>
+            <a:spLocks noGrp="1"/>
+          </p:cNvSpPr>
+          <p:nvPr>
+            <p:ph type="title"/>
+          </p:nvPr>
+        </p:nvSpPr>
+        <p:spPr/>
+        <p:txBody>
+          <a:bodyPr/>
+          <a:lstStyle/>
+          <a:p>
+            <a:r>
+              <a:rPr lang="en-US" b="1" dirty="0"/>
+              <a:t>How to find all articulation points in a given graph?</a:t>
+            </a:r>
+            <a:endParaRPr lang="en-US" dirty="0"/>
+          </a:p>
+        </p:txBody>
+      </p:sp>
+      <p:pic>
+        <p:nvPicPr>
+          <p:cNvPr id="5" name="Picture 4"/>
+          <p:cNvPicPr>
+            <a:picLocks noChangeAspect="1"/>
+          </p:cNvPicPr>
+          <p:nvPr/>
+        </p:nvPicPr>
+        <p:blipFill>
+          <a:blip r:embed="rId2"/>
+          <a:stretch>
+            <a:fillRect/>
+          </a:stretch>
+        </p:blipFill>
+        <p:spPr>
+          <a:xfrm>
+            <a:off x="652153" y="2371354"/>
+            <a:ext cx="3810000" cy="2400300"/>
+          </a:xfrm>
+          <a:prstGeom prst="rect">
+            <a:avLst/>
+          </a:prstGeom>
+        </p:spPr>
+      </p:pic>
+      <p:pic>
+        <p:nvPicPr>
+          <p:cNvPr id="6" name="Picture 5"/>
+          <p:cNvPicPr>
+            <a:picLocks noChangeAspect="1"/>
+          </p:cNvPicPr>
+          <p:nvPr/>
+        </p:nvPicPr>
+        <p:blipFill>
+          <a:blip r:embed="rId3"/>
+          <a:stretch>
+            <a:fillRect/>
+          </a:stretch>
+        </p:blipFill>
+        <p:spPr>
+          <a:xfrm>
+            <a:off x="4968092" y="1963387"/>
+            <a:ext cx="1638300" cy="3810000"/>
+          </a:xfrm>
+          <a:prstGeom prst="rect">
+            <a:avLst/>
+          </a:prstGeom>
+        </p:spPr>
+      </p:pic>
+      <p:pic>
+        <p:nvPicPr>
+          <p:cNvPr id="7" name="Picture 6"/>
+          <p:cNvPicPr>
+            <a:picLocks noChangeAspect="1"/>
+          </p:cNvPicPr>
+          <p:nvPr/>
+        </p:nvPicPr>
+        <p:blipFill>
+          <a:blip r:embed="rId4"/>
+          <a:stretch>
+            <a:fillRect/>
+          </a:stretch>
+        </p:blipFill>
+        <p:spPr>
+          <a:xfrm>
+            <a:off x="7112331" y="2371354"/>
+            <a:ext cx="3810000" cy="2247900"/>
+          </a:xfrm>
+          <a:prstGeom prst="rect">
+            <a:avLst/>
+          </a:prstGeom>
+        </p:spPr>
+      </p:pic>
+    </p:spTree>
+    <p:extLst>
+      <p:ext uri="{BB962C8B-B14F-4D97-AF65-F5344CB8AC3E}">
+        <p14:creationId xmlns:p14="http://schemas.microsoft.com/office/powerpoint/2010/main" val="1053835763"/>
+      </p:ext>
+    </p:extLst>
+  </p:cSld>
+  <p:clrMapOvr>
+    <a:masterClrMapping/>
+  </p:clrMapOvr>
+</p:sld>
+</file>
+
+<file path=ppt/slides/slide6.xml><?xml version="1.0" encoding="utf-8"?>
+<p:sld xmlns:a="http://schemas.openxmlformats.org/drawingml/2006/main" xmlns:r="http://schemas.openxmlformats.org/officeDocument/2006/relationships" xmlns:p="http://schemas.openxmlformats.org/presentationml/2006/main">
+  <p:cSld>
+    <p:spTree>
+      <p:nvGrpSpPr>
+        <p:cNvPr id="1" name=""/>
+        <p:cNvGrpSpPr/>
+        <p:nvPr/>
+      </p:nvGrpSpPr>
+      <p:grpSpPr>
+        <a:xfrm>
+          <a:off x="0" y="0"/>
+          <a:ext cx="0" cy="0"/>
+          <a:chOff x="0" y="0"/>
+          <a:chExt cx="0" cy="0"/>
+        </a:xfrm>
+      </p:grpSpPr>
+      <p:sp>
+        <p:nvSpPr>
+          <p:cNvPr id="2" name="Title 1"/>
+          <p:cNvSpPr>
+            <a:spLocks noGrp="1"/>
+          </p:cNvSpPr>
+          <p:nvPr>
+            <p:ph type="title"/>
+          </p:nvPr>
+        </p:nvSpPr>
+        <p:spPr/>
+        <p:txBody>
+          <a:bodyPr/>
+          <a:lstStyle/>
+          <a:p>
+            <a:r>
+              <a:rPr lang="en-US" b="1" dirty="0"/>
+              <a:t>How to find all articulation points in a given graph?</a:t>
+            </a:r>
+            <a:endParaRPr lang="en-US" dirty="0"/>
+          </a:p>
+        </p:txBody>
+      </p:sp>
+      <p:sp>
+        <p:nvSpPr>
+          <p:cNvPr id="3" name="Content Placeholder 2"/>
+          <p:cNvSpPr>
+            <a:spLocks noGrp="1"/>
+          </p:cNvSpPr>
+          <p:nvPr>
+            <p:ph idx="1"/>
+          </p:nvPr>
+        </p:nvSpPr>
+        <p:spPr/>
+        <p:txBody>
+          <a:bodyPr/>
+          <a:lstStyle/>
+          <a:p>
+            <a:pPr marL="0" lvl="0" indent="0">
+              <a:lnSpc>
+                <a:spcPct val="100000"/>
+              </a:lnSpc>
+              <a:spcBef>
+                <a:spcPts val="0"/>
+              </a:spcBef>
+              <a:buNone/>
+            </a:pPr>
+            <a:r>
+              <a:rPr lang="en-US" dirty="0"/>
+              <a:t>u is not root of DFS tree and it has a child v such that no vertex in subtree rooted with v has a back edge to one of the ancestors (in DFS tree) of u.</a:t>
+            </a:r>
+          </a:p>
+        </p:txBody>
+      </p:sp>
+    </p:spTree>
+    <p:extLst>
+      <p:ext uri="{BB962C8B-B14F-4D97-AF65-F5344CB8AC3E}">
+        <p14:creationId xmlns:p14="http://schemas.microsoft.com/office/powerpoint/2010/main" val="407854949"/>
+      </p:ext>
+    </p:extLst>
+  </p:cSld>
+  <p:clrMapOvr>
+    <a:masterClrMapping/>
+  </p:clrMapOvr>
+</p:sld>
+</file>
+
+<file path=ppt/slides/slide7.xml><?xml version="1.0" encoding="utf-8"?>
+<p:sld xmlns:a="http://schemas.openxmlformats.org/drawingml/2006/main" xmlns:r="http://schemas.openxmlformats.org/officeDocument/2006/relationships" xmlns:p="http://schemas.openxmlformats.org/presentationml/2006/main">
+  <p:cSld>
+    <p:spTree>
+      <p:nvGrpSpPr>
+        <p:cNvPr id="1" name=""/>
+        <p:cNvGrpSpPr/>
+        <p:nvPr/>
+      </p:nvGrpSpPr>
+      <p:grpSpPr>
+        <a:xfrm>
+          <a:off x="0" y="0"/>
+          <a:ext cx="0" cy="0"/>
+          <a:chOff x="0" y="0"/>
+          <a:chExt cx="0" cy="0"/>
+        </a:xfrm>
+      </p:grpSpPr>
+      <p:sp>
+        <p:nvSpPr>
+          <p:cNvPr id="2" name="Title 1"/>
+          <p:cNvSpPr>
+            <a:spLocks noGrp="1"/>
+          </p:cNvSpPr>
+          <p:nvPr>
+            <p:ph type="title"/>
+          </p:nvPr>
+        </p:nvSpPr>
+        <p:spPr/>
+        <p:txBody>
+          <a:bodyPr/>
+          <a:lstStyle/>
+          <a:p>
+            <a:r>
+              <a:rPr lang="en-US" b="0" dirty="0" smtClean="0">
+                <a:effectLst/>
+              </a:rPr>
+              <a:t>Topological Sorting</a:t>
+            </a:r>
+            <a:endParaRPr lang="en-US" dirty="0"/>
+          </a:p>
+        </p:txBody>
+      </p:sp>
+      <p:sp>
+        <p:nvSpPr>
+          <p:cNvPr id="3" name="Content Placeholder 2"/>
+          <p:cNvSpPr>
+            <a:spLocks noGrp="1"/>
+          </p:cNvSpPr>
+          <p:nvPr>
+            <p:ph idx="1"/>
+          </p:nvPr>
+        </p:nvSpPr>
+        <p:spPr/>
+        <p:txBody>
+          <a:bodyPr/>
+          <a:lstStyle/>
+          <a:p>
+            <a:pPr fontAlgn="base"/>
+            <a:r>
+              <a:rPr lang="en-US" dirty="0" smtClean="0"/>
+              <a:t>Topological </a:t>
+            </a:r>
+            <a:r>
+              <a:rPr lang="en-US" dirty="0"/>
+              <a:t>sorting for Directed Acyclic Graph (DAG) is a linear ordering of vertices such that for every directed edge </a:t>
+            </a:r>
+            <a:r>
+              <a:rPr lang="en-US" dirty="0" err="1"/>
+              <a:t>uv</a:t>
+            </a:r>
+            <a:r>
+              <a:rPr lang="en-US" dirty="0"/>
+              <a:t>, vertex u comes before v in the ordering. Topological Sorting for a graph is not possible if the graph is not a DAG.</a:t>
+            </a:r>
+          </a:p>
+          <a:p>
+            <a:endParaRPr lang="en-US" dirty="0"/>
+          </a:p>
+        </p:txBody>
+      </p:sp>
+    </p:spTree>
+    <p:extLst>
+      <p:ext uri="{BB962C8B-B14F-4D97-AF65-F5344CB8AC3E}">
+        <p14:creationId xmlns:p14="http://schemas.microsoft.com/office/powerpoint/2010/main" val="1022691124"/>
+      </p:ext>
+    </p:extLst>
+  </p:cSld>
+  <p:clrMapOvr>
+    <a:masterClrMapping/>
+  </p:clrMapOvr>
+</p:sld>
+</file>
+
+<file path=ppt/slides/slide8.xml><?xml version="1.0" encoding="utf-8"?>
+<p:sld xmlns:a="http://schemas.openxmlformats.org/drawingml/2006/main" xmlns:r="http://schemas.openxmlformats.org/officeDocument/2006/relationships" xmlns:p="http://schemas.openxmlformats.org/presentationml/2006/main">
+  <p:cSld>
+    <p:spTree>
+      <p:nvGrpSpPr>
+        <p:cNvPr id="1" name=""/>
+        <p:cNvGrpSpPr/>
+        <p:nvPr/>
+      </p:nvGrpSpPr>
+      <p:grpSpPr>
+        <a:xfrm>
+          <a:off x="0" y="0"/>
+          <a:ext cx="0" cy="0"/>
+          <a:chOff x="0" y="0"/>
+          <a:chExt cx="0" cy="0"/>
+        </a:xfrm>
+      </p:grpSpPr>
+      <p:sp>
+        <p:nvSpPr>
+          <p:cNvPr id="2" name="Title 1"/>
+          <p:cNvSpPr>
+            <a:spLocks noGrp="1"/>
+          </p:cNvSpPr>
+          <p:nvPr>
+            <p:ph type="title"/>
+          </p:nvPr>
+        </p:nvSpPr>
+        <p:spPr/>
+        <p:txBody>
+          <a:bodyPr/>
+          <a:lstStyle/>
+          <a:p>
+            <a:r>
+              <a:rPr lang="en-US" b="0" dirty="0" smtClean="0">
+                <a:effectLst/>
+              </a:rPr>
+              <a:t>Topological Sorting</a:t>
+            </a:r>
+            <a:br>
+              <a:rPr lang="en-US" b="0" dirty="0" smtClean="0">
+                <a:effectLst/>
+              </a:rPr>
+            </a:br>
+            <a:endParaRPr lang="en-US" dirty="0"/>
+          </a:p>
+        </p:txBody>
+      </p:sp>
+      <p:sp>
+        <p:nvSpPr>
+          <p:cNvPr id="3" name="Content Placeholder 2"/>
+          <p:cNvSpPr>
+            <a:spLocks noGrp="1"/>
+          </p:cNvSpPr>
+          <p:nvPr>
+            <p:ph idx="1"/>
+          </p:nvPr>
+        </p:nvSpPr>
+        <p:spPr>
+          <a:xfrm>
+            <a:off x="726678" y="1599993"/>
+            <a:ext cx="5705104" cy="4351338"/>
+          </a:xfrm>
+        </p:spPr>
+        <p:txBody>
+          <a:bodyPr>
+            <a:normAutofit lnSpcReduction="10000"/>
+          </a:bodyPr>
+          <a:lstStyle/>
+          <a:p>
+            <a:r>
+              <a:rPr lang="en-US" dirty="0"/>
+              <a:t>We can modify </a:t>
+            </a:r>
+            <a:r>
+              <a:rPr lang="en-US" dirty="0">
+                <a:hlinkClick r:id="rId2"/>
+              </a:rPr>
+              <a:t>DFS </a:t>
+            </a:r>
+            <a:r>
+              <a:rPr lang="en-US" dirty="0"/>
+              <a:t>to find Topological Sorting of a graph. In </a:t>
+            </a:r>
+            <a:r>
+              <a:rPr lang="en-US" dirty="0">
+                <a:hlinkClick r:id="rId2"/>
+              </a:rPr>
+              <a:t>DFS</a:t>
+            </a:r>
+            <a:r>
+              <a:rPr lang="en-US" dirty="0"/>
+              <a:t>, we start from a vertex, we first print it and then recursively call DFS for its adjacent vertices. In topological sorting, we use a temporary stack. We don’t print the vertex immediately, we first recursively call topological sorting for all its adjacent vertices, then push it to a stack. Finally, print contents of stack.</a:t>
+            </a:r>
+          </a:p>
+        </p:txBody>
+      </p:sp>
+      <p:pic>
+        <p:nvPicPr>
+          <p:cNvPr id="4" name="Picture 3"/>
+          <p:cNvPicPr>
+            <a:picLocks noChangeAspect="1"/>
+          </p:cNvPicPr>
+          <p:nvPr/>
+        </p:nvPicPr>
+        <p:blipFill>
+          <a:blip r:embed="rId3"/>
+          <a:stretch>
+            <a:fillRect/>
+          </a:stretch>
+        </p:blipFill>
+        <p:spPr>
+          <a:xfrm>
+            <a:off x="6756788" y="1690688"/>
+            <a:ext cx="4922018" cy="3972461"/>
+          </a:xfrm>
+          <a:prstGeom prst="rect">
+            <a:avLst/>
+          </a:prstGeom>
+        </p:spPr>
+      </p:pic>
+      <p:sp>
+        <p:nvSpPr>
+          <p:cNvPr id="5" name="Rectangle 4"/>
+          <p:cNvSpPr/>
+          <p:nvPr/>
+        </p:nvSpPr>
+        <p:spPr>
+          <a:xfrm>
+            <a:off x="7944592" y="2006930"/>
+            <a:ext cx="308759" cy="380010"/>
+          </a:xfrm>
+          <a:prstGeom prst="rect">
+            <a:avLst/>
+          </a:prstGeom>
+        </p:spPr>
+        <p:style>
+          <a:lnRef idx="2">
+            <a:schemeClr val="accent1">
+              <a:shade val="50000"/>
+            </a:schemeClr>
+          </a:lnRef>
+          <a:fillRef idx="1">
+            <a:schemeClr val="accent1"/>
+          </a:fillRef>
+          <a:effectRef idx="0">
+            <a:schemeClr val="accent1"/>
+          </a:effectRef>
+          <a:fontRef idx="minor">
+            <a:schemeClr val="lt1"/>
+          </a:fontRef>
+        </p:style>
+        <p:txBody>
+          <a:bodyPr rtlCol="0" anchor="ctr"/>
+          <a:lstStyle/>
+          <a:p>
+            <a:pPr algn="ctr"/>
+            <a:r>
+              <a:rPr lang="en-US" altLang="zh-CN" dirty="0"/>
+              <a:t>0</a:t>
+            </a:r>
+            <a:endParaRPr lang="en-US" dirty="0"/>
+          </a:p>
+        </p:txBody>
+      </p:sp>
+      <p:sp>
+        <p:nvSpPr>
+          <p:cNvPr id="6" name="Rectangle 5"/>
+          <p:cNvSpPr/>
+          <p:nvPr/>
+        </p:nvSpPr>
+        <p:spPr>
+          <a:xfrm>
+            <a:off x="9032740" y="3585657"/>
+            <a:ext cx="370114" cy="380010"/>
+          </a:xfrm>
+          <a:prstGeom prst="rect">
+            <a:avLst/>
+          </a:prstGeom>
+        </p:spPr>
+        <p:style>
+          <a:lnRef idx="2">
+            <a:schemeClr val="accent1">
+              <a:shade val="50000"/>
+            </a:schemeClr>
+          </a:lnRef>
+          <a:fillRef idx="1">
+            <a:schemeClr val="accent1"/>
+          </a:fillRef>
+          <a:effectRef idx="0">
+            <a:schemeClr val="accent1"/>
+          </a:effectRef>
+          <a:fontRef idx="minor">
+            <a:schemeClr val="lt1"/>
+          </a:fontRef>
+        </p:style>
+        <p:txBody>
+          <a:bodyPr rtlCol="0" anchor="ctr"/>
+          <a:lstStyle/>
+          <a:p>
+            <a:pPr algn="ctr"/>
+            <a:r>
+              <a:rPr lang="en-US" altLang="zh-CN" dirty="0" smtClean="0"/>
+              <a:t>5</a:t>
+            </a:r>
+            <a:endParaRPr lang="en-US" dirty="0"/>
+          </a:p>
+        </p:txBody>
+      </p:sp>
+    </p:spTree>
+    <p:extLst>
+      <p:ext uri="{BB962C8B-B14F-4D97-AF65-F5344CB8AC3E}">
+        <p14:creationId xmlns:p14="http://schemas.microsoft.com/office/powerpoint/2010/main" val="1174424043"/>
+      </p:ext>
+    </p:extLst>
+  </p:cSld>
+  <p:clrMapOvr>
+    <a:masterClrMapping/>
+  </p:clrMapOvr>
+</p:sld>
+</file>
+
+<file path=ppt/slides/slide9.xml><?xml version="1.0" encoding="utf-8"?>
+<p:sld xmlns:a="http://schemas.openxmlformats.org/drawingml/2006/main" xmlns:r="http://schemas.openxmlformats.org/officeDocument/2006/relationships" xmlns:p="http://schemas.openxmlformats.org/presentationml/2006/main">
+  <p:cSld>
+    <p:spTree>
+      <p:nvGrpSpPr>
+        <p:cNvPr id="1" name=""/>
+        <p:cNvGrpSpPr/>
+        <p:nvPr/>
+      </p:nvGrpSpPr>
+      <p:grpSpPr>
+        <a:xfrm>
+          <a:off x="0" y="0"/>
+          <a:ext cx="0" cy="0"/>
+          <a:chOff x="0" y="0"/>
+          <a:chExt cx="0" cy="0"/>
+        </a:xfrm>
+      </p:grpSpPr>
       <p:pic>
         <p:nvPicPr>
           <p:cNvPr id="4" name="Picture 3"/>
@@ -3901,7 +4428,7 @@
         </p:blipFill>
         <p:spPr>
           <a:xfrm>
-            <a:off x="1742786" y="1213674"/>
+            <a:off x="1552781" y="1985570"/>
             <a:ext cx="8201329" cy="3595831"/>
           </a:xfrm>
           <a:prstGeom prst="rect">
@@ -3909,6 +4436,84 @@
           </a:prstGeom>
         </p:spPr>
       </p:pic>
+      <p:sp>
+        <p:nvSpPr>
+          <p:cNvPr id="5" name="Title 1"/>
+          <p:cNvSpPr>
+            <a:spLocks noGrp="1"/>
+          </p:cNvSpPr>
+          <p:nvPr>
+            <p:ph type="title"/>
+          </p:nvPr>
+        </p:nvSpPr>
+        <p:spPr>
+          <a:xfrm>
+            <a:off x="838200" y="365125"/>
+            <a:ext cx="10515600" cy="1325563"/>
+          </a:xfrm>
+        </p:spPr>
+        <p:txBody>
+          <a:bodyPr/>
+          <a:lstStyle/>
+          <a:p>
+            <a:r>
+              <a:rPr lang="en-US" altLang="zh-CN" b="0" dirty="0" smtClean="0">
+                <a:effectLst/>
+              </a:rPr>
+              <a:t>Implement</a:t>
+            </a:r>
+            <a:r>
+              <a:rPr lang="zh-CN" altLang="en-US" b="0" dirty="0" smtClean="0">
+                <a:effectLst/>
+              </a:rPr>
+              <a:t> </a:t>
+            </a:r>
+            <a:r>
+              <a:rPr lang="en-US" altLang="zh-CN" b="0" dirty="0" smtClean="0">
+                <a:effectLst/>
+              </a:rPr>
+              <a:t>DFS</a:t>
+            </a:r>
+            <a:r>
+              <a:rPr lang="zh-CN" altLang="en-US" b="0" dirty="0" smtClean="0">
+                <a:effectLst/>
+              </a:rPr>
+              <a:t> </a:t>
+            </a:r>
+            <a:r>
+              <a:rPr lang="en-US" altLang="zh-CN" b="0" dirty="0" smtClean="0">
+                <a:effectLst/>
+              </a:rPr>
+              <a:t>using</a:t>
+            </a:r>
+            <a:r>
+              <a:rPr lang="zh-CN" altLang="en-US" b="0" dirty="0" smtClean="0">
+                <a:effectLst/>
+              </a:rPr>
+              <a:t> </a:t>
+            </a:r>
+            <a:r>
+              <a:rPr lang="en-US" altLang="zh-CN" b="0" smtClean="0">
+                <a:effectLst/>
+              </a:rPr>
+              <a:t>a</a:t>
+            </a:r>
+            <a:r>
+              <a:rPr lang="zh-CN" altLang="en-US" b="0" smtClean="0">
+                <a:effectLst/>
+              </a:rPr>
+              <a:t> </a:t>
+            </a:r>
+            <a:r>
+              <a:rPr lang="en-US" altLang="zh-CN" b="0" smtClean="0">
+                <a:effectLst/>
+              </a:rPr>
+              <a:t>stack</a:t>
+            </a:r>
+            <a:endParaRPr lang="en-US" dirty="0"/>
+          </a:p>
+        </p:txBody>
+      </p:sp>
     </p:spTree>
     <p:extLst>
       <p:ext uri="{BB962C8B-B14F-4D97-AF65-F5344CB8AC3E}">

--- a/handouts/graphs/Graph Examples.pptx
+++ b/handouts/graphs/Graph Examples.pptx
@@ -9,11 +9,11 @@
     <p:sldId id="257" r:id="rId3"/>
     <p:sldId id="258" r:id="rId4"/>
     <p:sldId id="259" r:id="rId5"/>
-    <p:sldId id="261" r:id="rId6"/>
-    <p:sldId id="262" r:id="rId7"/>
-    <p:sldId id="264" r:id="rId8"/>
-    <p:sldId id="263" r:id="rId9"/>
-    <p:sldId id="260" r:id="rId10"/>
+    <p:sldId id="260" r:id="rId6"/>
+    <p:sldId id="261" r:id="rId7"/>
+    <p:sldId id="262" r:id="rId8"/>
+    <p:sldId id="264" r:id="rId9"/>
+    <p:sldId id="263" r:id="rId10"/>
   </p:sldIdLst>
   <p:sldSz cx="12192000" cy="6858000"/>
   <p:notesSz cx="6858000" cy="9144000"/>
@@ -112,6 +112,11 @@
       </a:defRPr>
     </a:lvl9pPr>
   </p:defaultTextStyle>
+  <p:extLst>
+    <p:ext uri="{EFAFB233-063F-42B5-8137-9DF3F51BA10A}">
+      <p15:sldGuideLst xmlns:p15="http://schemas.microsoft.com/office/powerpoint/2012/main"/>
+    </p:ext>
+  </p:extLst>
 </p:presentation>
 </file>
 
@@ -246,7 +251,7 @@
           <a:p>
             <a:fld id="{C944CA51-5AED-0A48-98A9-502589872F2F}" type="datetimeFigureOut">
               <a:rPr lang="en-US" smtClean="0"/>
-              <a:t>9/18/17</a:t>
+              <a:t>9/20/17</a:t>
             </a:fld>
             <a:endParaRPr lang="en-US"/>
           </a:p>
@@ -416,7 +421,7 @@
           <a:p>
             <a:fld id="{C944CA51-5AED-0A48-98A9-502589872F2F}" type="datetimeFigureOut">
               <a:rPr lang="en-US" smtClean="0"/>
-              <a:t>9/18/17</a:t>
+              <a:t>9/20/17</a:t>
             </a:fld>
             <a:endParaRPr lang="en-US"/>
           </a:p>
@@ -596,7 +601,7 @@
           <a:p>
             <a:fld id="{C944CA51-5AED-0A48-98A9-502589872F2F}" type="datetimeFigureOut">
               <a:rPr lang="en-US" smtClean="0"/>
-              <a:t>9/18/17</a:t>
+              <a:t>9/20/17</a:t>
             </a:fld>
             <a:endParaRPr lang="en-US"/>
           </a:p>
@@ -766,7 +771,7 @@
           <a:p>
             <a:fld id="{C944CA51-5AED-0A48-98A9-502589872F2F}" type="datetimeFigureOut">
               <a:rPr lang="en-US" smtClean="0"/>
-              <a:t>9/18/17</a:t>
+              <a:t>9/20/17</a:t>
             </a:fld>
             <a:endParaRPr lang="en-US"/>
           </a:p>
@@ -1012,7 +1017,7 @@
           <a:p>
             <a:fld id="{C944CA51-5AED-0A48-98A9-502589872F2F}" type="datetimeFigureOut">
               <a:rPr lang="en-US" smtClean="0"/>
-              <a:t>9/18/17</a:t>
+              <a:t>9/20/17</a:t>
             </a:fld>
             <a:endParaRPr lang="en-US"/>
           </a:p>
@@ -1244,7 +1249,7 @@
           <a:p>
             <a:fld id="{C944CA51-5AED-0A48-98A9-502589872F2F}" type="datetimeFigureOut">
               <a:rPr lang="en-US" smtClean="0"/>
-              <a:t>9/18/17</a:t>
+              <a:t>9/20/17</a:t>
             </a:fld>
             <a:endParaRPr lang="en-US"/>
           </a:p>
@@ -1611,7 +1616,7 @@
           <a:p>
             <a:fld id="{C944CA51-5AED-0A48-98A9-502589872F2F}" type="datetimeFigureOut">
               <a:rPr lang="en-US" smtClean="0"/>
-              <a:t>9/18/17</a:t>
+              <a:t>9/20/17</a:t>
             </a:fld>
             <a:endParaRPr lang="en-US"/>
           </a:p>
@@ -1729,7 +1734,7 @@
           <a:p>
             <a:fld id="{C944CA51-5AED-0A48-98A9-502589872F2F}" type="datetimeFigureOut">
               <a:rPr lang="en-US" smtClean="0"/>
-              <a:t>9/18/17</a:t>
+              <a:t>9/20/17</a:t>
             </a:fld>
             <a:endParaRPr lang="en-US"/>
           </a:p>
@@ -1824,7 +1829,7 @@
           <a:p>
             <a:fld id="{C944CA51-5AED-0A48-98A9-502589872F2F}" type="datetimeFigureOut">
               <a:rPr lang="en-US" smtClean="0"/>
-              <a:t>9/18/17</a:t>
+              <a:t>9/20/17</a:t>
             </a:fld>
             <a:endParaRPr lang="en-US"/>
           </a:p>
@@ -2101,7 +2106,7 @@
           <a:p>
             <a:fld id="{C944CA51-5AED-0A48-98A9-502589872F2F}" type="datetimeFigureOut">
               <a:rPr lang="en-US" smtClean="0"/>
-              <a:t>9/18/17</a:t>
+              <a:t>9/20/17</a:t>
             </a:fld>
             <a:endParaRPr lang="en-US"/>
           </a:p>
@@ -2354,7 +2359,7 @@
           <a:p>
             <a:fld id="{C944CA51-5AED-0A48-98A9-502589872F2F}" type="datetimeFigureOut">
               <a:rPr lang="en-US" smtClean="0"/>
-              <a:t>9/18/17</a:t>
+              <a:t>9/20/17</a:t>
             </a:fld>
             <a:endParaRPr lang="en-US"/>
           </a:p>
@@ -2567,7 +2572,7 @@
           <a:p>
             <a:fld id="{C944CA51-5AED-0A48-98A9-502589872F2F}" type="datetimeFigureOut">
               <a:rPr lang="en-US" smtClean="0"/>
-              <a:t>9/18/17</a:t>
+              <a:t>9/20/17</a:t>
             </a:fld>
             <a:endParaRPr lang="en-US"/>
           </a:p>
@@ -3889,32 +3894,9 @@
           <a:chExt cx="0" cy="0"/>
         </a:xfrm>
       </p:grpSpPr>
-      <p:sp>
-        <p:nvSpPr>
-          <p:cNvPr id="2" name="Title 1"/>
-          <p:cNvSpPr>
-            <a:spLocks noGrp="1"/>
-          </p:cNvSpPr>
-          <p:nvPr>
-            <p:ph type="title"/>
-          </p:nvPr>
-        </p:nvSpPr>
-        <p:spPr/>
-        <p:txBody>
-          <a:bodyPr/>
-          <a:lstStyle/>
-          <a:p>
-            <a:r>
-              <a:rPr lang="en-US" b="1" dirty="0"/>
-              <a:t>How to find all articulation points in a given graph?</a:t>
-            </a:r>
-            <a:endParaRPr lang="en-US" dirty="0"/>
-          </a:p>
-        </p:txBody>
-      </p:sp>
       <p:pic>
         <p:nvPicPr>
-          <p:cNvPr id="5" name="Picture 4"/>
+          <p:cNvPr id="4" name="Picture 3"/>
           <p:cNvPicPr>
             <a:picLocks noChangeAspect="1"/>
           </p:cNvPicPr>
@@ -3928,66 +3910,96 @@
         </p:blipFill>
         <p:spPr>
           <a:xfrm>
-            <a:off x="652153" y="2371354"/>
-            <a:ext cx="3810000" cy="2400300"/>
+            <a:off x="1552781" y="1985570"/>
+            <a:ext cx="8201329" cy="3595831"/>
           </a:xfrm>
           <a:prstGeom prst="rect">
             <a:avLst/>
           </a:prstGeom>
         </p:spPr>
       </p:pic>
-      <p:pic>
-        <p:nvPicPr>
-          <p:cNvPr id="6" name="Picture 5"/>
-          <p:cNvPicPr>
-            <a:picLocks noChangeAspect="1"/>
-          </p:cNvPicPr>
-          <p:nvPr/>
-        </p:nvPicPr>
-        <p:blipFill>
-          <a:blip r:embed="rId3"/>
-          <a:stretch>
-            <a:fillRect/>
-          </a:stretch>
-        </p:blipFill>
-        <p:spPr>
-          <a:xfrm>
-            <a:off x="4968092" y="1963387"/>
-            <a:ext cx="1638300" cy="3810000"/>
-          </a:xfrm>
-          <a:prstGeom prst="rect">
-            <a:avLst/>
-          </a:prstGeom>
-        </p:spPr>
-      </p:pic>
-      <p:pic>
-        <p:nvPicPr>
-          <p:cNvPr id="7" name="Picture 6"/>
-          <p:cNvPicPr>
-            <a:picLocks noChangeAspect="1"/>
-          </p:cNvPicPr>
-          <p:nvPr/>
-        </p:nvPicPr>
-        <p:blipFill>
-          <a:blip r:embed="rId4"/>
-          <a:stretch>
-            <a:fillRect/>
-          </a:stretch>
-        </p:blipFill>
-        <p:spPr>
-          <a:xfrm>
-            <a:off x="7112331" y="2371354"/>
-            <a:ext cx="3810000" cy="2247900"/>
-          </a:xfrm>
-          <a:prstGeom prst="rect">
-            <a:avLst/>
-          </a:prstGeom>
-        </p:spPr>
-      </p:pic>
+      <p:sp>
+        <p:nvSpPr>
+          <p:cNvPr id="5" name="Title 1"/>
+          <p:cNvSpPr>
+            <a:spLocks noGrp="1"/>
+          </p:cNvSpPr>
+          <p:nvPr>
+            <p:ph type="title"/>
+          </p:nvPr>
+        </p:nvSpPr>
+        <p:spPr>
+          <a:xfrm>
+            <a:off x="838200" y="365125"/>
+            <a:ext cx="10515600" cy="1325563"/>
+          </a:xfrm>
+        </p:spPr>
+        <p:txBody>
+          <a:bodyPr/>
+          <a:lstStyle/>
+          <a:p>
+            <a:r>
+              <a:rPr lang="en-US" altLang="zh-CN" b="0" dirty="0" smtClean="0">
+                <a:effectLst/>
+              </a:rPr>
+              <a:t>Implement</a:t>
+            </a:r>
+            <a:r>
+              <a:rPr lang="zh-CN" altLang="en-US" b="0" dirty="0" smtClean="0">
+                <a:effectLst/>
+              </a:rPr>
+              <a:t> </a:t>
+            </a:r>
+            <a:r>
+              <a:rPr lang="en-US" altLang="zh-CN" b="0" dirty="0" smtClean="0">
+                <a:effectLst/>
+              </a:rPr>
+              <a:t>DFS</a:t>
+            </a:r>
+            <a:r>
+              <a:rPr lang="zh-CN" altLang="en-US" b="0" dirty="0" smtClean="0">
+                <a:effectLst/>
+              </a:rPr>
+              <a:t> </a:t>
+            </a:r>
+            <a:r>
+              <a:rPr lang="en-US" altLang="zh-CN" b="0" dirty="0" smtClean="0">
+                <a:effectLst/>
+              </a:rPr>
+              <a:t>using</a:t>
+            </a:r>
+            <a:r>
+              <a:rPr lang="zh-CN" altLang="en-US" b="0" dirty="0" smtClean="0">
+                <a:effectLst/>
+              </a:rPr>
+              <a:t> </a:t>
+            </a:r>
+            <a:r>
+              <a:rPr lang="en-US" altLang="zh-CN" b="0" dirty="0" smtClean="0">
+                <a:effectLst/>
+              </a:rPr>
+              <a:t>a</a:t>
+            </a:r>
+            <a:r>
+              <a:rPr lang="zh-CN" altLang="en-US" b="0" dirty="0" smtClean="0">
+                <a:effectLst/>
+              </a:rPr>
+              <a:t> </a:t>
+            </a:r>
+            <a:r>
+              <a:rPr lang="en-US" altLang="zh-CN" b="0" dirty="0" smtClean="0">
+                <a:effectLst/>
+              </a:rPr>
+              <a:t>stack</a:t>
+            </a:r>
+            <a:endParaRPr lang="en-US" dirty="0"/>
+          </a:p>
+        </p:txBody>
+      </p:sp>
     </p:spTree>
     <p:extLst>
       <p:ext uri="{BB962C8B-B14F-4D97-AF65-F5344CB8AC3E}">
-        <p14:creationId xmlns:p14="http://schemas.microsoft.com/office/powerpoint/2010/main" val="1053835763"/>
+        <p14:creationId xmlns:p14="http://schemas.microsoft.com/office/powerpoint/2010/main" val="72522981"/>
       </p:ext>
     </p:extLst>
   </p:cSld>
@@ -4037,41 +4049,82 @@
           </a:p>
         </p:txBody>
       </p:sp>
-      <p:sp>
-        <p:nvSpPr>
-          <p:cNvPr id="3" name="Content Placeholder 2"/>
-          <p:cNvSpPr>
-            <a:spLocks noGrp="1"/>
-          </p:cNvSpPr>
-          <p:nvPr>
-            <p:ph idx="1"/>
-          </p:nvPr>
-        </p:nvSpPr>
-        <p:spPr/>
-        <p:txBody>
-          <a:bodyPr/>
-          <a:lstStyle/>
-          <a:p>
-            <a:pPr marL="0" lvl="0" indent="0">
-              <a:lnSpc>
-                <a:spcPct val="100000"/>
-              </a:lnSpc>
-              <a:spcBef>
-                <a:spcPts val="0"/>
-              </a:spcBef>
-              <a:buNone/>
-            </a:pPr>
-            <a:r>
-              <a:rPr lang="en-US" dirty="0"/>
-              <a:t>u is not root of DFS tree and it has a child v such that no vertex in subtree rooted with v has a back edge to one of the ancestors (in DFS tree) of u.</a:t>
-            </a:r>
-          </a:p>
-        </p:txBody>
-      </p:sp>
+      <p:pic>
+        <p:nvPicPr>
+          <p:cNvPr id="5" name="Picture 4"/>
+          <p:cNvPicPr>
+            <a:picLocks noChangeAspect="1"/>
+          </p:cNvPicPr>
+          <p:nvPr/>
+        </p:nvPicPr>
+        <p:blipFill>
+          <a:blip r:embed="rId2"/>
+          <a:stretch>
+            <a:fillRect/>
+          </a:stretch>
+        </p:blipFill>
+        <p:spPr>
+          <a:xfrm>
+            <a:off x="652153" y="2371354"/>
+            <a:ext cx="3810000" cy="2400300"/>
+          </a:xfrm>
+          <a:prstGeom prst="rect">
+            <a:avLst/>
+          </a:prstGeom>
+        </p:spPr>
+      </p:pic>
+      <p:pic>
+        <p:nvPicPr>
+          <p:cNvPr id="6" name="Picture 5"/>
+          <p:cNvPicPr>
+            <a:picLocks noChangeAspect="1"/>
+          </p:cNvPicPr>
+          <p:nvPr/>
+        </p:nvPicPr>
+        <p:blipFill>
+          <a:blip r:embed="rId3"/>
+          <a:stretch>
+            <a:fillRect/>
+          </a:stretch>
+        </p:blipFill>
+        <p:spPr>
+          <a:xfrm>
+            <a:off x="4968092" y="1963387"/>
+            <a:ext cx="1638300" cy="3810000"/>
+          </a:xfrm>
+          <a:prstGeom prst="rect">
+            <a:avLst/>
+          </a:prstGeom>
+        </p:spPr>
+      </p:pic>
+      <p:pic>
+        <p:nvPicPr>
+          <p:cNvPr id="7" name="Picture 6"/>
+          <p:cNvPicPr>
+            <a:picLocks noChangeAspect="1"/>
+          </p:cNvPicPr>
+          <p:nvPr/>
+        </p:nvPicPr>
+        <p:blipFill>
+          <a:blip r:embed="rId4"/>
+          <a:stretch>
+            <a:fillRect/>
+          </a:stretch>
+        </p:blipFill>
+        <p:spPr>
+          <a:xfrm>
+            <a:off x="7112331" y="2371354"/>
+            <a:ext cx="3810000" cy="2247900"/>
+          </a:xfrm>
+          <a:prstGeom prst="rect">
+            <a:avLst/>
+          </a:prstGeom>
+        </p:spPr>
+      </p:pic>
     </p:spTree>
     <p:extLst>
       <p:ext uri="{BB962C8B-B14F-4D97-AF65-F5344CB8AC3E}">
-        <p14:creationId xmlns:p14="http://schemas.microsoft.com/office/powerpoint/2010/main" val="407854949"/>
+        <p14:creationId xmlns:p14="http://schemas.microsoft.com/office/powerpoint/2010/main" val="1053835763"/>
       </p:ext>
     </p:extLst>
   </p:cSld>
@@ -4114,10 +4167,8 @@
           <a:lstStyle/>
           <a:p>
             <a:r>
-              <a:rPr lang="en-US" b="0" dirty="0" smtClean="0">
-                <a:effectLst/>
-              </a:rPr>
-              <a:t>Topological Sorting</a:t>
+              <a:rPr lang="en-US" b="1" dirty="0"/>
+              <a:t>How to find all articulation points in a given graph?</a:t>
             </a:r>
             <a:endParaRPr lang="en-US" dirty="0"/>
           </a:p>
@@ -4138,33 +4189,26 @@
           <a:bodyPr/>
           <a:lstStyle/>
           <a:p>
-            <a:pPr fontAlgn="base"/>
-            <a:r>
-              <a:rPr lang="en-US" dirty="0" smtClean="0"/>
-              <a:t>Topological </a:t>
-            </a:r>
+            <a:pPr marL="0" lvl="0" indent="0">
+              <a:lnSpc>
+                <a:spcPct val="100000"/>
+              </a:lnSpc>
+              <a:spcBef>
+                <a:spcPts val="0"/>
+              </a:spcBef>
+              <a:buNone/>
+            </a:pPr>
             <a:r>
               <a:rPr lang="en-US" dirty="0"/>
-              <a:t>sorting for Directed Acyclic Graph (DAG) is a linear ordering of vertices such that for every directed edge </a:t>
-            </a:r>
-            <a:r>
-              <a:rPr lang="en-US" dirty="0" err="1"/>
-              <a:t>uv</a:t>
-            </a:r>
-            <a:r>
-              <a:rPr lang="en-US" dirty="0"/>
-              <a:t>, vertex u comes before v in the ordering. Topological Sorting for a graph is not possible if the graph is not a DAG.</a:t>
-            </a:r>
-          </a:p>
-          <a:p>
-            <a:endParaRPr lang="en-US" dirty="0"/>
+              <a:t>u is not root of DFS tree and it has a child v such that no vertex in subtree rooted with v has a back edge to one of the ancestors (in DFS tree) of u.</a:t>
+            </a:r>
           </a:p>
         </p:txBody>
       </p:sp>
     </p:spTree>
     <p:extLst>
       <p:ext uri="{BB962C8B-B14F-4D97-AF65-F5344CB8AC3E}">
-        <p14:creationId xmlns:p14="http://schemas.microsoft.com/office/powerpoint/2010/main" val="1022691124"/>
+        <p14:creationId xmlns:p14="http://schemas.microsoft.com/office/powerpoint/2010/main" val="407854949"/>
       </p:ext>
     </p:extLst>
   </p:cSld>
@@ -4212,11 +4256,6 @@
               </a:rPr>
               <a:t>Topological Sorting</a:t>
             </a:r>
-            <a:br>
-              <a:rPr lang="en-US" b="0" dirty="0" smtClean="0">
-                <a:effectLst/>
-              </a:rPr>
-            </a:br>
             <a:endParaRPr lang="en-US" dirty="0"/>
           </a:p>
         </p:txBody>
@@ -4231,153 +4270,30 @@
             <p:ph idx="1"/>
           </p:nvPr>
         </p:nvSpPr>
-        <p:spPr>
-          <a:xfrm>
-            <a:off x="726678" y="1599993"/>
-            <a:ext cx="5705104" cy="4351338"/>
-          </a:xfrm>
-        </p:spPr>
-        <p:txBody>
-          <a:bodyPr>
-            <a:normAutofit lnSpcReduction="10000"/>
-          </a:bodyPr>
-          <a:lstStyle/>
-          <a:p>
+        <p:spPr/>
+        <p:txBody>
+          <a:bodyPr/>
+          <a:lstStyle/>
+          <a:p>
+            <a:pPr fontAlgn="base"/>
+            <a:r>
+              <a:rPr lang="en-US" dirty="0" smtClean="0"/>
+              <a:t>Topological </a:t>
+            </a:r>
             <a:r>
               <a:rPr lang="en-US" dirty="0"/>
-              <a:t>We can modify </a:t>
-            </a:r>
-            <a:r>
-              <a:rPr lang="en-US" dirty="0">
-                <a:hlinkClick r:id="rId2"/>
-              </a:rPr>
-              <a:t>DFS </a:t>
+              <a:t>sorting for Directed Acyclic Graph (DAG) is a linear ordering of vertices such that for every directed edge </a:t>
+            </a:r>
+            <a:r>
+              <a:rPr lang="en-US" dirty="0" err="1"/>
+              <a:t>uv</a:t>
             </a:r>
             <a:r>
               <a:rPr lang="en-US" dirty="0"/>
-              <a:t>to find Topological Sorting of a graph. In </a:t>
-            </a:r>
-            <a:r>
-              <a:rPr lang="en-US" dirty="0">
-                <a:hlinkClick r:id="rId2"/>
-              </a:rPr>
-              <a:t>DFS</a:t>
-            </a:r>
-            <a:r>
-              <a:rPr lang="en-US" dirty="0"/>
-              <a:t>, we start from a vertex, we first print it and then recursively call DFS for its adjacent vertices. In topological sorting, we use a temporary stack. We don’t print the vertex immediately, we first recursively call topological sorting for all its adjacent vertices, then push it to a stack. Finally, print contents of stack.</a:t>
-            </a:r>
-          </a:p>
-        </p:txBody>
-      </p:sp>
-      <p:pic>
-        <p:nvPicPr>
-          <p:cNvPr id="4" name="Picture 3"/>
-          <p:cNvPicPr>
-            <a:picLocks noChangeAspect="1"/>
-          </p:cNvPicPr>
-          <p:nvPr/>
-        </p:nvPicPr>
-        <p:blipFill>
-          <a:blip r:embed="rId3"/>
-          <a:stretch>
-            <a:fillRect/>
-          </a:stretch>
-        </p:blipFill>
-        <p:spPr>
-          <a:xfrm>
-            <a:off x="6756788" y="1690688"/>
-            <a:ext cx="4922018" cy="3972461"/>
-          </a:xfrm>
-          <a:prstGeom prst="rect">
-            <a:avLst/>
-          </a:prstGeom>
-        </p:spPr>
-      </p:pic>
-      <p:sp>
-        <p:nvSpPr>
-          <p:cNvPr id="5" name="Rectangle 4"/>
-          <p:cNvSpPr/>
-          <p:nvPr/>
-        </p:nvSpPr>
-        <p:spPr>
-          <a:xfrm>
-            <a:off x="7944592" y="2006930"/>
-            <a:ext cx="308759" cy="380010"/>
-          </a:xfrm>
-          <a:prstGeom prst="rect">
-            <a:avLst/>
-          </a:prstGeom>
-        </p:spPr>
-        <p:style>
-          <a:lnRef idx="2">
-            <a:schemeClr val="accent1">
-              <a:shade val="50000"/>
-            </a:schemeClr>
-          </a:lnRef>
-          <a:fillRef idx="1">
-            <a:schemeClr val="accent1"/>
-          </a:fillRef>
-          <a:effectRef idx="0">
-            <a:schemeClr val="accent1"/>
-          </a:effectRef>
-          <a:fontRef idx="minor">
-            <a:schemeClr val="lt1"/>
-          </a:fontRef>
-        </p:style>
-        <p:txBody>
-          <a:bodyPr rtlCol="0" anchor="ctr"/>
-          <a:lstStyle/>
-          <a:p>
-            <a:pPr algn="ctr"/>
-            <a:r>
-              <a:rPr lang="en-US" altLang="zh-CN" dirty="0"/>
-              <a:t>0</a:t>
-            </a:r>
-            <a:endParaRPr lang="en-US" dirty="0"/>
-          </a:p>
-        </p:txBody>
-      </p:sp>
-      <p:sp>
-        <p:nvSpPr>
-          <p:cNvPr id="6" name="Rectangle 5"/>
-          <p:cNvSpPr/>
-          <p:nvPr/>
-        </p:nvSpPr>
-        <p:spPr>
-          <a:xfrm>
-            <a:off x="9032740" y="3585657"/>
-            <a:ext cx="370114" cy="380010"/>
-          </a:xfrm>
-          <a:prstGeom prst="rect">
-            <a:avLst/>
-          </a:prstGeom>
-        </p:spPr>
-        <p:style>
-          <a:lnRef idx="2">
-            <a:schemeClr val="accent1">
-              <a:shade val="50000"/>
-            </a:schemeClr>
-          </a:lnRef>
-          <a:fillRef idx="1">
-            <a:schemeClr val="accent1"/>
-          </a:fillRef>
-          <a:effectRef idx="0">
-            <a:schemeClr val="accent1"/>
-          </a:effectRef>
-          <a:fontRef idx="minor">
-            <a:schemeClr val="lt1"/>
-          </a:fontRef>
-        </p:style>
-        <p:txBody>
-          <a:bodyPr rtlCol="0" anchor="ctr"/>
-          <a:lstStyle/>
-          <a:p>
-            <a:pPr algn="ctr"/>
-            <a:r>
-              <a:rPr lang="en-US" altLang="zh-CN" dirty="0" smtClean="0"/>
-              <a:t>5</a:t>
-            </a:r>
+              <a:t>, vertex u comes before v in the ordering. Topological Sorting for a graph is not possible if the graph is not a DAG.</a:t>
+            </a:r>
+          </a:p>
+          <a:p>
             <a:endParaRPr lang="en-US" dirty="0"/>
           </a:p>
         </p:txBody>
@@ -4385,7 +4301,7 @@
     </p:spTree>
     <p:extLst>
       <p:ext uri="{BB962C8B-B14F-4D97-AF65-F5344CB8AC3E}">
-        <p14:creationId xmlns:p14="http://schemas.microsoft.com/office/powerpoint/2010/main" val="1174424043"/>
+        <p14:creationId xmlns:p14="http://schemas.microsoft.com/office/powerpoint/2010/main" val="1022691124"/>
       </p:ext>
     </p:extLst>
   </p:cSld>
@@ -4412,6 +4328,85 @@
           <a:chExt cx="0" cy="0"/>
         </a:xfrm>
       </p:grpSpPr>
+      <p:sp>
+        <p:nvSpPr>
+          <p:cNvPr id="2" name="Title 1"/>
+          <p:cNvSpPr>
+            <a:spLocks noGrp="1"/>
+          </p:cNvSpPr>
+          <p:nvPr>
+            <p:ph type="title"/>
+          </p:nvPr>
+        </p:nvSpPr>
+        <p:spPr/>
+        <p:txBody>
+          <a:bodyPr/>
+          <a:lstStyle/>
+          <a:p>
+            <a:r>
+              <a:rPr lang="en-US" b="0" dirty="0" smtClean="0">
+                <a:effectLst/>
+              </a:rPr>
+              <a:t>Topological Sorting</a:t>
+            </a:r>
+            <a:br>
+              <a:rPr lang="en-US" b="0" dirty="0" smtClean="0">
+                <a:effectLst/>
+              </a:rPr>
+            </a:br>
+            <a:endParaRPr lang="en-US" dirty="0"/>
+          </a:p>
+        </p:txBody>
+      </p:sp>
+      <p:sp>
+        <p:nvSpPr>
+          <p:cNvPr id="3" name="Content Placeholder 2"/>
+          <p:cNvSpPr>
+            <a:spLocks noGrp="1"/>
+          </p:cNvSpPr>
+          <p:nvPr>
+            <p:ph idx="1"/>
+          </p:nvPr>
+        </p:nvSpPr>
+        <p:spPr>
+          <a:xfrm>
+            <a:off x="726678" y="1599993"/>
+            <a:ext cx="5705104" cy="4351338"/>
+          </a:xfrm>
+        </p:spPr>
+        <p:txBody>
+          <a:bodyPr>
+            <a:normAutofit lnSpcReduction="10000"/>
+          </a:bodyPr>
+          <a:lstStyle/>
+          <a:p>
+            <a:r>
+              <a:rPr lang="en-US" dirty="0"/>
+              <a:t>We can modify </a:t>
+            </a:r>
+            <a:r>
+              <a:rPr lang="en-US" dirty="0">
+                <a:hlinkClick r:id="rId2"/>
+              </a:rPr>
+              <a:t>DFS </a:t>
+            </a:r>
+            <a:r>
+              <a:rPr lang="en-US" dirty="0"/>
+              <a:t>to find Topological Sorting of a graph. In </a:t>
+            </a:r>
+            <a:r>
+              <a:rPr lang="en-US" dirty="0">
+                <a:hlinkClick r:id="rId2"/>
+              </a:rPr>
+              <a:t>DFS</a:t>
+            </a:r>
+            <a:r>
+              <a:rPr lang="en-US" dirty="0"/>
+              <a:t>, we start from a vertex, we first print it and then recursively call DFS for its adjacent vertices. In topological sorting, we use a temporary stack. We don’t print the vertex immediately, we first recursively call topological sorting for all its adjacent vertices, then push it to a stack. Finally, print contents of stack.</a:t>
+            </a:r>
+          </a:p>
+        </p:txBody>
+      </p:sp>
       <p:pic>
         <p:nvPicPr>
           <p:cNvPr id="4" name="Picture 3"/>
@@ -4421,15 +4416,15 @@
           <p:nvPr/>
         </p:nvPicPr>
         <p:blipFill>
-          <a:blip r:embed="rId2"/>
+          <a:blip r:embed="rId3"/>
           <a:stretch>
             <a:fillRect/>
           </a:stretch>
         </p:blipFill>
         <p:spPr>
           <a:xfrm>
-            <a:off x="1552781" y="1985570"/>
-            <a:ext cx="8201329" cy="3595831"/>
+            <a:off x="6756788" y="1690688"/>
+            <a:ext cx="4922018" cy="3972461"/>
           </a:xfrm>
           <a:prstGeom prst="rect">
             <a:avLst/>
@@ -4438,77 +4433,87 @@
       </p:pic>
       <p:sp>
         <p:nvSpPr>
-          <p:cNvPr id="5" name="Title 1"/>
-          <p:cNvSpPr>
-            <a:spLocks noGrp="1"/>
-          </p:cNvSpPr>
-          <p:nvPr>
-            <p:ph type="title"/>
-          </p:nvPr>
-        </p:nvSpPr>
-        <p:spPr>
-          <a:xfrm>
-            <a:off x="838200" y="365125"/>
-            <a:ext cx="10515600" cy="1325563"/>
-          </a:xfrm>
-        </p:spPr>
-        <p:txBody>
-          <a:bodyPr/>
-          <a:lstStyle/>
-          <a:p>
-            <a:r>
-              <a:rPr lang="en-US" altLang="zh-CN" b="0" dirty="0" smtClean="0">
-                <a:effectLst/>
-              </a:rPr>
-              <a:t>Implement</a:t>
-            </a:r>
-            <a:r>
-              <a:rPr lang="zh-CN" altLang="en-US" b="0" dirty="0" smtClean="0">
-                <a:effectLst/>
-              </a:rPr>
-              <a:t> </a:t>
-            </a:r>
-            <a:r>
-              <a:rPr lang="en-US" altLang="zh-CN" b="0" dirty="0" smtClean="0">
-                <a:effectLst/>
-              </a:rPr>
-              <a:t>DFS</a:t>
-            </a:r>
-            <a:r>
-              <a:rPr lang="zh-CN" altLang="en-US" b="0" dirty="0" smtClean="0">
-                <a:effectLst/>
-              </a:rPr>
-              <a:t> </a:t>
-            </a:r>
-            <a:r>
-              <a:rPr lang="en-US" altLang="zh-CN" b="0" dirty="0" smtClean="0">
-                <a:effectLst/>
-              </a:rPr>
-              <a:t>using</a:t>
-            </a:r>
-            <a:r>
-              <a:rPr lang="zh-CN" altLang="en-US" b="0" dirty="0" smtClean="0">
-                <a:effectLst/>
-              </a:rPr>
-              <a:t> </a:t>
-            </a:r>
-            <a:r>
-              <a:rPr lang="en-US" altLang="zh-CN" b="0" smtClean="0">
-                <a:effectLst/>
-              </a:rPr>
-              <a:t>a</a:t>
-            </a:r>
-            <a:r>
-              <a:rPr lang="zh-CN" altLang="en-US" b="0" smtClean="0">
-                <a:effectLst/>
-              </a:rPr>
-              <a:t> </a:t>
-            </a:r>
-            <a:r>
-              <a:rPr lang="en-US" altLang="zh-CN" b="0" smtClean="0">
-                <a:effectLst/>
-              </a:rPr>
-              <a:t>stack</a:t>
+          <p:cNvPr id="5" name="Rectangle 4"/>
+          <p:cNvSpPr/>
+          <p:nvPr/>
+        </p:nvSpPr>
+        <p:spPr>
+          <a:xfrm>
+            <a:off x="7944592" y="2006930"/>
+            <a:ext cx="308759" cy="380010"/>
+          </a:xfrm>
+          <a:prstGeom prst="rect">
+            <a:avLst/>
+          </a:prstGeom>
+        </p:spPr>
+        <p:style>
+          <a:lnRef idx="2">
+            <a:schemeClr val="accent1">
+              <a:shade val="50000"/>
+            </a:schemeClr>
+          </a:lnRef>
+          <a:fillRef idx="1">
+            <a:schemeClr val="accent1"/>
+          </a:fillRef>
+          <a:effectRef idx="0">
+            <a:schemeClr val="accent1"/>
+          </a:effectRef>
+          <a:fontRef idx="minor">
+            <a:schemeClr val="lt1"/>
+          </a:fontRef>
+        </p:style>
+        <p:txBody>
+          <a:bodyPr rtlCol="0" anchor="ctr"/>
+          <a:lstStyle/>
+          <a:p>
+            <a:pPr algn="ctr"/>
+            <a:r>
+              <a:rPr lang="en-US" altLang="zh-CN" dirty="0"/>
+              <a:t>0</a:t>
+            </a:r>
+            <a:endParaRPr lang="en-US" dirty="0"/>
+          </a:p>
+        </p:txBody>
+      </p:sp>
+      <p:sp>
+        <p:nvSpPr>
+          <p:cNvPr id="6" name="Rectangle 5"/>
+          <p:cNvSpPr/>
+          <p:nvPr/>
+        </p:nvSpPr>
+        <p:spPr>
+          <a:xfrm>
+            <a:off x="9032740" y="3585657"/>
+            <a:ext cx="370114" cy="380010"/>
+          </a:xfrm>
+          <a:prstGeom prst="rect">
+            <a:avLst/>
+          </a:prstGeom>
+        </p:spPr>
+        <p:style>
+          <a:lnRef idx="2">
+            <a:schemeClr val="accent1">
+              <a:shade val="50000"/>
+            </a:schemeClr>
+          </a:lnRef>
+          <a:fillRef idx="1">
+            <a:schemeClr val="accent1"/>
+          </a:fillRef>
+          <a:effectRef idx="0">
+            <a:schemeClr val="accent1"/>
+          </a:effectRef>
+          <a:fontRef idx="minor">
+            <a:schemeClr val="lt1"/>
+          </a:fontRef>
+        </p:style>
+        <p:txBody>
+          <a:bodyPr rtlCol="0" anchor="ctr"/>
+          <a:lstStyle/>
+          <a:p>
+            <a:pPr algn="ctr"/>
+            <a:r>
+              <a:rPr lang="en-US" altLang="zh-CN" dirty="0" smtClean="0"/>
+              <a:t>5</a:t>
             </a:r>
             <a:endParaRPr lang="en-US" dirty="0"/>
           </a:p>
@@ -4517,7 +4522,7 @@
     </p:spTree>
     <p:extLst>
       <p:ext uri="{BB962C8B-B14F-4D97-AF65-F5344CB8AC3E}">
-        <p14:creationId xmlns:p14="http://schemas.microsoft.com/office/powerpoint/2010/main" val="72522981"/>
+        <p14:creationId xmlns:p14="http://schemas.microsoft.com/office/powerpoint/2010/main" val="1174424043"/>
       </p:ext>
     </p:extLst>
   </p:cSld>

--- a/handouts/graphs/Graph Examples.pptx
+++ b/handouts/graphs/Graph Examples.pptx
@@ -10,10 +10,12 @@
     <p:sldId id="258" r:id="rId4"/>
     <p:sldId id="259" r:id="rId5"/>
     <p:sldId id="260" r:id="rId6"/>
-    <p:sldId id="261" r:id="rId7"/>
-    <p:sldId id="262" r:id="rId8"/>
-    <p:sldId id="264" r:id="rId9"/>
-    <p:sldId id="263" r:id="rId10"/>
+    <p:sldId id="265" r:id="rId7"/>
+    <p:sldId id="266" r:id="rId8"/>
+    <p:sldId id="261" r:id="rId9"/>
+    <p:sldId id="262" r:id="rId10"/>
+    <p:sldId id="264" r:id="rId11"/>
+    <p:sldId id="263" r:id="rId12"/>
   </p:sldIdLst>
   <p:sldSz cx="12192000" cy="6858000"/>
   <p:notesSz cx="6858000" cy="9144000"/>
@@ -251,7 +253,7 @@
           <a:p>
             <a:fld id="{C944CA51-5AED-0A48-98A9-502589872F2F}" type="datetimeFigureOut">
               <a:rPr lang="en-US" smtClean="0"/>
-              <a:t>9/20/17</a:t>
+              <a:t>9/25/17</a:t>
             </a:fld>
             <a:endParaRPr lang="en-US"/>
           </a:p>
@@ -421,7 +423,7 @@
           <a:p>
             <a:fld id="{C944CA51-5AED-0A48-98A9-502589872F2F}" type="datetimeFigureOut">
               <a:rPr lang="en-US" smtClean="0"/>
-              <a:t>9/20/17</a:t>
+              <a:t>9/25/17</a:t>
             </a:fld>
             <a:endParaRPr lang="en-US"/>
           </a:p>
@@ -601,7 +603,7 @@
           <a:p>
             <a:fld id="{C944CA51-5AED-0A48-98A9-502589872F2F}" type="datetimeFigureOut">
               <a:rPr lang="en-US" smtClean="0"/>
-              <a:t>9/20/17</a:t>
+              <a:t>9/25/17</a:t>
             </a:fld>
             <a:endParaRPr lang="en-US"/>
           </a:p>
@@ -771,7 +773,7 @@
           <a:p>
             <a:fld id="{C944CA51-5AED-0A48-98A9-502589872F2F}" type="datetimeFigureOut">
               <a:rPr lang="en-US" smtClean="0"/>
-              <a:t>9/20/17</a:t>
+              <a:t>9/25/17</a:t>
             </a:fld>
             <a:endParaRPr lang="en-US"/>
           </a:p>
@@ -1017,7 +1019,7 @@
           <a:p>
             <a:fld id="{C944CA51-5AED-0A48-98A9-502589872F2F}" type="datetimeFigureOut">
               <a:rPr lang="en-US" smtClean="0"/>
-              <a:t>9/20/17</a:t>
+              <a:t>9/25/17</a:t>
             </a:fld>
             <a:endParaRPr lang="en-US"/>
           </a:p>
@@ -1249,7 +1251,7 @@
           <a:p>
             <a:fld id="{C944CA51-5AED-0A48-98A9-502589872F2F}" type="datetimeFigureOut">
               <a:rPr lang="en-US" smtClean="0"/>
-              <a:t>9/20/17</a:t>
+              <a:t>9/25/17</a:t>
             </a:fld>
             <a:endParaRPr lang="en-US"/>
           </a:p>
@@ -1616,7 +1618,7 @@
           <a:p>
             <a:fld id="{C944CA51-5AED-0A48-98A9-502589872F2F}" type="datetimeFigureOut">
               <a:rPr lang="en-US" smtClean="0"/>
-              <a:t>9/20/17</a:t>
+              <a:t>9/25/17</a:t>
             </a:fld>
             <a:endParaRPr lang="en-US"/>
           </a:p>
@@ -1734,7 +1736,7 @@
           <a:p>
             <a:fld id="{C944CA51-5AED-0A48-98A9-502589872F2F}" type="datetimeFigureOut">
               <a:rPr lang="en-US" smtClean="0"/>
-              <a:t>9/20/17</a:t>
+              <a:t>9/25/17</a:t>
             </a:fld>
             <a:endParaRPr lang="en-US"/>
           </a:p>
@@ -1829,7 +1831,7 @@
           <a:p>
             <a:fld id="{C944CA51-5AED-0A48-98A9-502589872F2F}" type="datetimeFigureOut">
               <a:rPr lang="en-US" smtClean="0"/>
-              <a:t>9/20/17</a:t>
+              <a:t>9/25/17</a:t>
             </a:fld>
             <a:endParaRPr lang="en-US"/>
           </a:p>
@@ -2106,7 +2108,7 @@
           <a:p>
             <a:fld id="{C944CA51-5AED-0A48-98A9-502589872F2F}" type="datetimeFigureOut">
               <a:rPr lang="en-US" smtClean="0"/>
-              <a:t>9/20/17</a:t>
+              <a:t>9/25/17</a:t>
             </a:fld>
             <a:endParaRPr lang="en-US"/>
           </a:p>
@@ -2359,7 +2361,7 @@
           <a:p>
             <a:fld id="{C944CA51-5AED-0A48-98A9-502589872F2F}" type="datetimeFigureOut">
               <a:rPr lang="en-US" smtClean="0"/>
-              <a:t>9/20/17</a:t>
+              <a:t>9/25/17</a:t>
             </a:fld>
             <a:endParaRPr lang="en-US"/>
           </a:p>
@@ -2572,7 +2574,7 @@
           <a:p>
             <a:fld id="{C944CA51-5AED-0A48-98A9-502589872F2F}" type="datetimeFigureOut">
               <a:rPr lang="en-US" smtClean="0"/>
-              <a:t>9/20/17</a:t>
+              <a:t>9/25/17</a:t>
             </a:fld>
             <a:endParaRPr lang="en-US"/>
           </a:p>
@@ -3076,6 +3078,320 @@
 </p:sld>
 </file>
 
+<file path=ppt/slides/slide10.xml><?xml version="1.0" encoding="utf-8"?>
+<p:sld xmlns:a="http://schemas.openxmlformats.org/drawingml/2006/main" xmlns:r="http://schemas.openxmlformats.org/officeDocument/2006/relationships" xmlns:p="http://schemas.openxmlformats.org/presentationml/2006/main">
+  <p:cSld>
+    <p:spTree>
+      <p:nvGrpSpPr>
+        <p:cNvPr id="1" name=""/>
+        <p:cNvGrpSpPr/>
+        <p:nvPr/>
+      </p:nvGrpSpPr>
+      <p:grpSpPr>
+        <a:xfrm>
+          <a:off x="0" y="0"/>
+          <a:ext cx="0" cy="0"/>
+          <a:chOff x="0" y="0"/>
+          <a:chExt cx="0" cy="0"/>
+        </a:xfrm>
+      </p:grpSpPr>
+      <p:sp>
+        <p:nvSpPr>
+          <p:cNvPr id="2" name="Title 1"/>
+          <p:cNvSpPr>
+            <a:spLocks noGrp="1"/>
+          </p:cNvSpPr>
+          <p:nvPr>
+            <p:ph type="title"/>
+          </p:nvPr>
+        </p:nvSpPr>
+        <p:spPr/>
+        <p:txBody>
+          <a:bodyPr/>
+          <a:lstStyle/>
+          <a:p>
+            <a:r>
+              <a:rPr lang="en-US" b="0" dirty="0" smtClean="0">
+                <a:effectLst/>
+              </a:rPr>
+              <a:t>Topological Sorting</a:t>
+            </a:r>
+            <a:endParaRPr lang="en-US" dirty="0"/>
+          </a:p>
+        </p:txBody>
+      </p:sp>
+      <p:sp>
+        <p:nvSpPr>
+          <p:cNvPr id="3" name="Content Placeholder 2"/>
+          <p:cNvSpPr>
+            <a:spLocks noGrp="1"/>
+          </p:cNvSpPr>
+          <p:nvPr>
+            <p:ph idx="1"/>
+          </p:nvPr>
+        </p:nvSpPr>
+        <p:spPr/>
+        <p:txBody>
+          <a:bodyPr/>
+          <a:lstStyle/>
+          <a:p>
+            <a:pPr fontAlgn="base"/>
+            <a:r>
+              <a:rPr lang="en-US" dirty="0" smtClean="0"/>
+              <a:t>Topological </a:t>
+            </a:r>
+            <a:r>
+              <a:rPr lang="en-US" dirty="0"/>
+              <a:t>sorting for Directed Acyclic Graph (DAG) is a linear ordering of vertices such that for every directed edge </a:t>
+            </a:r>
+            <a:r>
+              <a:rPr lang="en-US" dirty="0" err="1"/>
+              <a:t>uv</a:t>
+            </a:r>
+            <a:r>
+              <a:rPr lang="en-US" dirty="0"/>
+              <a:t>, vertex u comes before v in the ordering. Topological Sorting for a graph is not possible if the graph is not a DAG.</a:t>
+            </a:r>
+          </a:p>
+          <a:p>
+            <a:endParaRPr lang="en-US" dirty="0"/>
+          </a:p>
+        </p:txBody>
+      </p:sp>
+    </p:spTree>
+    <p:extLst>
+      <p:ext uri="{BB962C8B-B14F-4D97-AF65-F5344CB8AC3E}">
+        <p14:creationId xmlns:p14="http://schemas.microsoft.com/office/powerpoint/2010/main" val="1022691124"/>
+      </p:ext>
+    </p:extLst>
+  </p:cSld>
+  <p:clrMapOvr>
+    <a:masterClrMapping/>
+  </p:clrMapOvr>
+</p:sld>
+</file>
+
+<file path=ppt/slides/slide11.xml><?xml version="1.0" encoding="utf-8"?>
+<p:sld xmlns:a="http://schemas.openxmlformats.org/drawingml/2006/main" xmlns:r="http://schemas.openxmlformats.org/officeDocument/2006/relationships" xmlns:p="http://schemas.openxmlformats.org/presentationml/2006/main">
+  <p:cSld>
+    <p:spTree>
+      <p:nvGrpSpPr>
+        <p:cNvPr id="1" name=""/>
+        <p:cNvGrpSpPr/>
+        <p:nvPr/>
+      </p:nvGrpSpPr>
+      <p:grpSpPr>
+        <a:xfrm>
+          <a:off x="0" y="0"/>
+          <a:ext cx="0" cy="0"/>
+          <a:chOff x="0" y="0"/>
+          <a:chExt cx="0" cy="0"/>
+        </a:xfrm>
+      </p:grpSpPr>
+      <p:sp>
+        <p:nvSpPr>
+          <p:cNvPr id="2" name="Title 1"/>
+          <p:cNvSpPr>
+            <a:spLocks noGrp="1"/>
+          </p:cNvSpPr>
+          <p:nvPr>
+            <p:ph type="title"/>
+          </p:nvPr>
+        </p:nvSpPr>
+        <p:spPr/>
+        <p:txBody>
+          <a:bodyPr/>
+          <a:lstStyle/>
+          <a:p>
+            <a:r>
+              <a:rPr lang="en-US" b="0" dirty="0" smtClean="0">
+                <a:effectLst/>
+              </a:rPr>
+              <a:t>Topological Sorting</a:t>
+            </a:r>
+            <a:br>
+              <a:rPr lang="en-US" b="0" dirty="0" smtClean="0">
+                <a:effectLst/>
+              </a:rPr>
+            </a:br>
+            <a:endParaRPr lang="en-US" dirty="0"/>
+          </a:p>
+        </p:txBody>
+      </p:sp>
+      <p:sp>
+        <p:nvSpPr>
+          <p:cNvPr id="3" name="Content Placeholder 2"/>
+          <p:cNvSpPr>
+            <a:spLocks noGrp="1"/>
+          </p:cNvSpPr>
+          <p:nvPr>
+            <p:ph idx="1"/>
+          </p:nvPr>
+        </p:nvSpPr>
+        <p:spPr>
+          <a:xfrm>
+            <a:off x="726678" y="1599993"/>
+            <a:ext cx="5705104" cy="4351338"/>
+          </a:xfrm>
+        </p:spPr>
+        <p:txBody>
+          <a:bodyPr>
+            <a:normAutofit lnSpcReduction="10000"/>
+          </a:bodyPr>
+          <a:lstStyle/>
+          <a:p>
+            <a:r>
+              <a:rPr lang="en-US" dirty="0"/>
+              <a:t>We can modify </a:t>
+            </a:r>
+            <a:r>
+              <a:rPr lang="en-US" dirty="0">
+                <a:hlinkClick r:id="rId2"/>
+              </a:rPr>
+              <a:t>DFS </a:t>
+            </a:r>
+            <a:r>
+              <a:rPr lang="en-US" dirty="0"/>
+              <a:t>to find Topological Sorting of a graph. In </a:t>
+            </a:r>
+            <a:r>
+              <a:rPr lang="en-US" dirty="0">
+                <a:hlinkClick r:id="rId2"/>
+              </a:rPr>
+              <a:t>DFS</a:t>
+            </a:r>
+            <a:r>
+              <a:rPr lang="en-US" dirty="0"/>
+              <a:t>, we start from a vertex, we first print it and then recursively call DFS for its adjacent vertices. In topological sorting, we use a temporary stack. We don’t print the vertex immediately, we first recursively call topological sorting for all its adjacent vertices, then push it to a stack. Finally, print contents of stack.</a:t>
+            </a:r>
+          </a:p>
+        </p:txBody>
+      </p:sp>
+      <p:pic>
+        <p:nvPicPr>
+          <p:cNvPr id="4" name="Picture 3"/>
+          <p:cNvPicPr>
+            <a:picLocks noChangeAspect="1"/>
+          </p:cNvPicPr>
+          <p:nvPr/>
+        </p:nvPicPr>
+        <p:blipFill>
+          <a:blip r:embed="rId3"/>
+          <a:stretch>
+            <a:fillRect/>
+          </a:stretch>
+        </p:blipFill>
+        <p:spPr>
+          <a:xfrm>
+            <a:off x="6756788" y="1690688"/>
+            <a:ext cx="4922018" cy="3972461"/>
+          </a:xfrm>
+          <a:prstGeom prst="rect">
+            <a:avLst/>
+          </a:prstGeom>
+        </p:spPr>
+      </p:pic>
+      <p:sp>
+        <p:nvSpPr>
+          <p:cNvPr id="5" name="Rectangle 4"/>
+          <p:cNvSpPr/>
+          <p:nvPr/>
+        </p:nvSpPr>
+        <p:spPr>
+          <a:xfrm>
+            <a:off x="7944592" y="2006930"/>
+            <a:ext cx="308759" cy="380010"/>
+          </a:xfrm>
+          <a:prstGeom prst="rect">
+            <a:avLst/>
+          </a:prstGeom>
+        </p:spPr>
+        <p:style>
+          <a:lnRef idx="2">
+            <a:schemeClr val="accent1">
+              <a:shade val="50000"/>
+            </a:schemeClr>
+          </a:lnRef>
+          <a:fillRef idx="1">
+            <a:schemeClr val="accent1"/>
+          </a:fillRef>
+          <a:effectRef idx="0">
+            <a:schemeClr val="accent1"/>
+          </a:effectRef>
+          <a:fontRef idx="minor">
+            <a:schemeClr val="lt1"/>
+          </a:fontRef>
+        </p:style>
+        <p:txBody>
+          <a:bodyPr rtlCol="0" anchor="ctr"/>
+          <a:lstStyle/>
+          <a:p>
+            <a:pPr algn="ctr"/>
+            <a:r>
+              <a:rPr lang="en-US" altLang="zh-CN" dirty="0"/>
+              <a:t>0</a:t>
+            </a:r>
+            <a:endParaRPr lang="en-US" dirty="0"/>
+          </a:p>
+        </p:txBody>
+      </p:sp>
+      <p:sp>
+        <p:nvSpPr>
+          <p:cNvPr id="6" name="Rectangle 5"/>
+          <p:cNvSpPr/>
+          <p:nvPr/>
+        </p:nvSpPr>
+        <p:spPr>
+          <a:xfrm>
+            <a:off x="9032740" y="3585657"/>
+            <a:ext cx="370114" cy="380010"/>
+          </a:xfrm>
+          <a:prstGeom prst="rect">
+            <a:avLst/>
+          </a:prstGeom>
+        </p:spPr>
+        <p:style>
+          <a:lnRef idx="2">
+            <a:schemeClr val="accent1">
+              <a:shade val="50000"/>
+            </a:schemeClr>
+          </a:lnRef>
+          <a:fillRef idx="1">
+            <a:schemeClr val="accent1"/>
+          </a:fillRef>
+          <a:effectRef idx="0">
+            <a:schemeClr val="accent1"/>
+          </a:effectRef>
+          <a:fontRef idx="minor">
+            <a:schemeClr val="lt1"/>
+          </a:fontRef>
+        </p:style>
+        <p:txBody>
+          <a:bodyPr rtlCol="0" anchor="ctr"/>
+          <a:lstStyle/>
+          <a:p>
+            <a:pPr algn="ctr"/>
+            <a:r>
+              <a:rPr lang="en-US" altLang="zh-CN" dirty="0" smtClean="0"/>
+              <a:t>5</a:t>
+            </a:r>
+            <a:endParaRPr lang="en-US" dirty="0"/>
+          </a:p>
+        </p:txBody>
+      </p:sp>
+    </p:spTree>
+    <p:extLst>
+      <p:ext uri="{BB962C8B-B14F-4D97-AF65-F5344CB8AC3E}">
+        <p14:creationId xmlns:p14="http://schemas.microsoft.com/office/powerpoint/2010/main" val="1174424043"/>
+      </p:ext>
+    </p:extLst>
+  </p:cSld>
+  <p:clrMapOvr>
+    <a:masterClrMapping/>
+  </p:clrMapOvr>
+</p:sld>
+</file>
+
 <file path=ppt/slides/slide2.xml><?xml version="1.0" encoding="utf-8"?>
 <p:sld xmlns:a="http://schemas.openxmlformats.org/drawingml/2006/main" xmlns:r="http://schemas.openxmlformats.org/officeDocument/2006/relationships" xmlns:p="http://schemas.openxmlformats.org/presentationml/2006/main">
   <p:cSld>
@@ -4041,90 +4357,33 @@
           <a:bodyPr/>
           <a:lstStyle/>
           <a:p>
-            <a:r>
-              <a:rPr lang="en-US" b="1" dirty="0"/>
-              <a:t>How to find all articulation points in a given graph?</a:t>
-            </a:r>
-            <a:endParaRPr lang="en-US" dirty="0"/>
-          </a:p>
-        </p:txBody>
-      </p:sp>
-      <p:pic>
-        <p:nvPicPr>
-          <p:cNvPr id="5" name="Picture 4"/>
-          <p:cNvPicPr>
-            <a:picLocks noChangeAspect="1"/>
-          </p:cNvPicPr>
-          <p:nvPr/>
-        </p:nvPicPr>
-        <p:blipFill>
-          <a:blip r:embed="rId2"/>
-          <a:stretch>
-            <a:fillRect/>
-          </a:stretch>
-        </p:blipFill>
-        <p:spPr>
-          <a:xfrm>
-            <a:off x="652153" y="2371354"/>
-            <a:ext cx="3810000" cy="2400300"/>
-          </a:xfrm>
-          <a:prstGeom prst="rect">
-            <a:avLst/>
-          </a:prstGeom>
-        </p:spPr>
-      </p:pic>
-      <p:pic>
-        <p:nvPicPr>
-          <p:cNvPr id="6" name="Picture 5"/>
-          <p:cNvPicPr>
-            <a:picLocks noChangeAspect="1"/>
-          </p:cNvPicPr>
-          <p:nvPr/>
-        </p:nvPicPr>
-        <p:blipFill>
-          <a:blip r:embed="rId3"/>
-          <a:stretch>
-            <a:fillRect/>
-          </a:stretch>
-        </p:blipFill>
-        <p:spPr>
-          <a:xfrm>
-            <a:off x="4968092" y="1963387"/>
-            <a:ext cx="1638300" cy="3810000"/>
-          </a:xfrm>
-          <a:prstGeom prst="rect">
-            <a:avLst/>
-          </a:prstGeom>
-        </p:spPr>
-      </p:pic>
-      <p:pic>
-        <p:nvPicPr>
-          <p:cNvPr id="7" name="Picture 6"/>
-          <p:cNvPicPr>
-            <a:picLocks noChangeAspect="1"/>
-          </p:cNvPicPr>
-          <p:nvPr/>
-        </p:nvPicPr>
-        <p:blipFill>
-          <a:blip r:embed="rId4"/>
-          <a:stretch>
-            <a:fillRect/>
-          </a:stretch>
-        </p:blipFill>
-        <p:spPr>
-          <a:xfrm>
-            <a:off x="7112331" y="2371354"/>
-            <a:ext cx="3810000" cy="2247900"/>
-          </a:xfrm>
-          <a:prstGeom prst="rect">
-            <a:avLst/>
-          </a:prstGeom>
-        </p:spPr>
-      </p:pic>
+            <a:endParaRPr lang="en-US"/>
+          </a:p>
+        </p:txBody>
+      </p:sp>
+      <p:sp>
+        <p:nvSpPr>
+          <p:cNvPr id="3" name="Content Placeholder 2"/>
+          <p:cNvSpPr>
+            <a:spLocks noGrp="1"/>
+          </p:cNvSpPr>
+          <p:nvPr>
+            <p:ph idx="1"/>
+          </p:nvPr>
+        </p:nvSpPr>
+        <p:spPr/>
+        <p:txBody>
+          <a:bodyPr/>
+          <a:lstStyle/>
+          <a:p>
+            <a:endParaRPr lang="en-US"/>
+          </a:p>
+        </p:txBody>
+      </p:sp>
     </p:spTree>
     <p:extLst>
       <p:ext uri="{BB962C8B-B14F-4D97-AF65-F5344CB8AC3E}">
-        <p14:creationId xmlns:p14="http://schemas.microsoft.com/office/powerpoint/2010/main" val="1053835763"/>
+        <p14:creationId xmlns:p14="http://schemas.microsoft.com/office/powerpoint/2010/main" val="1327224905"/>
       </p:ext>
     </p:extLst>
   </p:cSld>
@@ -4166,11 +4425,7 @@
           <a:bodyPr/>
           <a:lstStyle/>
           <a:p>
-            <a:r>
-              <a:rPr lang="en-US" b="1" dirty="0"/>
-              <a:t>How to find all articulation points in a given graph?</a:t>
-            </a:r>
-            <a:endParaRPr lang="en-US" dirty="0"/>
+            <a:endParaRPr lang="en-US"/>
           </a:p>
         </p:txBody>
       </p:sp>
@@ -4189,26 +4444,14 @@
           <a:bodyPr/>
           <a:lstStyle/>
           <a:p>
-            <a:pPr marL="0" lvl="0" indent="0">
-              <a:lnSpc>
-                <a:spcPct val="100000"/>
-              </a:lnSpc>
-              <a:spcBef>
-                <a:spcPts val="0"/>
-              </a:spcBef>
-              <a:buNone/>
-            </a:pPr>
-            <a:r>
-              <a:rPr lang="en-US" dirty="0"/>
-              <a:t>u is not root of DFS tree and it has a child v such that no vertex in subtree rooted with v has a back edge to one of the ancestors (in DFS tree) of u.</a:t>
-            </a:r>
+            <a:endParaRPr lang="en-US"/>
           </a:p>
         </p:txBody>
       </p:sp>
     </p:spTree>
     <p:extLst>
       <p:ext uri="{BB962C8B-B14F-4D97-AF65-F5344CB8AC3E}">
-        <p14:creationId xmlns:p14="http://schemas.microsoft.com/office/powerpoint/2010/main" val="407854949"/>
+        <p14:creationId xmlns:p14="http://schemas.microsoft.com/office/powerpoint/2010/main" val="756336946"/>
       </p:ext>
     </p:extLst>
   </p:cSld>
@@ -4251,57 +4494,89 @@
           <a:lstStyle/>
           <a:p>
             <a:r>
-              <a:rPr lang="en-US" b="0" dirty="0" smtClean="0">
-                <a:effectLst/>
-              </a:rPr>
-              <a:t>Topological Sorting</a:t>
+              <a:rPr lang="en-US" b="1" dirty="0"/>
+              <a:t>How to find all articulation points in a given graph?</a:t>
             </a:r>
             <a:endParaRPr lang="en-US" dirty="0"/>
           </a:p>
         </p:txBody>
       </p:sp>
-      <p:sp>
-        <p:nvSpPr>
-          <p:cNvPr id="3" name="Content Placeholder 2"/>
-          <p:cNvSpPr>
-            <a:spLocks noGrp="1"/>
-          </p:cNvSpPr>
-          <p:nvPr>
-            <p:ph idx="1"/>
-          </p:nvPr>
-        </p:nvSpPr>
-        <p:spPr/>
-        <p:txBody>
-          <a:bodyPr/>
-          <a:lstStyle/>
-          <a:p>
-            <a:pPr fontAlgn="base"/>
-            <a:r>
-              <a:rPr lang="en-US" dirty="0" smtClean="0"/>
-              <a:t>Topological </a:t>
-            </a:r>
-            <a:r>
-              <a:rPr lang="en-US" dirty="0"/>
-              <a:t>sorting for Directed Acyclic Graph (DAG) is a linear ordering of vertices such that for every directed edge </a:t>
-            </a:r>
-            <a:r>
-              <a:rPr lang="en-US" dirty="0" err="1"/>
-              <a:t>uv</a:t>
-            </a:r>
-            <a:r>
-              <a:rPr lang="en-US" dirty="0"/>
-              <a:t>, vertex u comes before v in the ordering. Topological Sorting for a graph is not possible if the graph is not a DAG.</a:t>
-            </a:r>
-          </a:p>
-          <a:p>
-            <a:endParaRPr lang="en-US" dirty="0"/>
-          </a:p>
-        </p:txBody>
-      </p:sp>
+      <p:pic>
+        <p:nvPicPr>
+          <p:cNvPr id="5" name="Picture 4"/>
+          <p:cNvPicPr>
+            <a:picLocks noChangeAspect="1"/>
+          </p:cNvPicPr>
+          <p:nvPr/>
+        </p:nvPicPr>
+        <p:blipFill>
+          <a:blip r:embed="rId2"/>
+          <a:stretch>
+            <a:fillRect/>
+          </a:stretch>
+        </p:blipFill>
+        <p:spPr>
+          <a:xfrm>
+            <a:off x="652153" y="2371354"/>
+            <a:ext cx="3810000" cy="2400300"/>
+          </a:xfrm>
+          <a:prstGeom prst="rect">
+            <a:avLst/>
+          </a:prstGeom>
+        </p:spPr>
+      </p:pic>
+      <p:pic>
+        <p:nvPicPr>
+          <p:cNvPr id="6" name="Picture 5"/>
+          <p:cNvPicPr>
+            <a:picLocks noChangeAspect="1"/>
+          </p:cNvPicPr>
+          <p:nvPr/>
+        </p:nvPicPr>
+        <p:blipFill>
+          <a:blip r:embed="rId3"/>
+          <a:stretch>
+            <a:fillRect/>
+          </a:stretch>
+        </p:blipFill>
+        <p:spPr>
+          <a:xfrm>
+            <a:off x="4968092" y="1963387"/>
+            <a:ext cx="1638300" cy="3810000"/>
+          </a:xfrm>
+          <a:prstGeom prst="rect">
+            <a:avLst/>
+          </a:prstGeom>
+        </p:spPr>
+      </p:pic>
+      <p:pic>
+        <p:nvPicPr>
+          <p:cNvPr id="7" name="Picture 6"/>
+          <p:cNvPicPr>
+            <a:picLocks noChangeAspect="1"/>
+          </p:cNvPicPr>
+          <p:nvPr/>
+        </p:nvPicPr>
+        <p:blipFill>
+          <a:blip r:embed="rId4"/>
+          <a:stretch>
+            <a:fillRect/>
+          </a:stretch>
+        </p:blipFill>
+        <p:spPr>
+          <a:xfrm>
+            <a:off x="7112331" y="2371354"/>
+            <a:ext cx="3810000" cy="2247900"/>
+          </a:xfrm>
+          <a:prstGeom prst="rect">
+            <a:avLst/>
+          </a:prstGeom>
+        </p:spPr>
+      </p:pic>
     </p:spTree>
     <p:extLst>
       <p:ext uri="{BB962C8B-B14F-4D97-AF65-F5344CB8AC3E}">
-        <p14:creationId xmlns:p14="http://schemas.microsoft.com/office/powerpoint/2010/main" val="1022691124"/>
+        <p14:creationId xmlns:p14="http://schemas.microsoft.com/office/powerpoint/2010/main" val="1053835763"/>
       </p:ext>
     </p:extLst>
   </p:cSld>
@@ -4344,16 +4619,9 @@
           <a:lstStyle/>
           <a:p>
             <a:r>
-              <a:rPr lang="en-US" b="0" dirty="0" smtClean="0">
-                <a:effectLst/>
-              </a:rPr>
-              <a:t>Topological Sorting</a:t>
-            </a:r>
-            <a:br>
-              <a:rPr lang="en-US" b="0" dirty="0" smtClean="0">
-                <a:effectLst/>
-              </a:rPr>
-            </a:br>
+              <a:rPr lang="en-US" b="1" dirty="0"/>
+              <a:t>How to find all articulation points in a given graph?</a:t>
+            </a:r>
             <a:endParaRPr lang="en-US" dirty="0"/>
           </a:p>
         </p:txBody>
@@ -4368,161 +4636,31 @@
             <p:ph idx="1"/>
           </p:nvPr>
         </p:nvSpPr>
-        <p:spPr>
-          <a:xfrm>
-            <a:off x="726678" y="1599993"/>
-            <a:ext cx="5705104" cy="4351338"/>
-          </a:xfrm>
-        </p:spPr>
-        <p:txBody>
-          <a:bodyPr>
-            <a:normAutofit lnSpcReduction="10000"/>
-          </a:bodyPr>
-          <a:lstStyle/>
-          <a:p>
+        <p:spPr/>
+        <p:txBody>
+          <a:bodyPr/>
+          <a:lstStyle/>
+          <a:p>
+            <a:pPr marL="0" lvl="0" indent="0">
+              <a:lnSpc>
+                <a:spcPct val="100000"/>
+              </a:lnSpc>
+              <a:spcBef>
+                <a:spcPts val="0"/>
+              </a:spcBef>
+              <a:buNone/>
+            </a:pPr>
             <a:r>
               <a:rPr lang="en-US" dirty="0"/>
-              <a:t>We can modify </a:t>
-            </a:r>
-            <a:r>
-              <a:rPr lang="en-US" dirty="0">
-                <a:hlinkClick r:id="rId2"/>
-              </a:rPr>
-              <a:t>DFS </a:t>
-            </a:r>
-            <a:r>
-              <a:rPr lang="en-US" dirty="0"/>
-              <a:t>to find Topological Sorting of a graph. In </a:t>
-            </a:r>
-            <a:r>
-              <a:rPr lang="en-US" dirty="0">
-                <a:hlinkClick r:id="rId2"/>
-              </a:rPr>
-              <a:t>DFS</a:t>
-            </a:r>
-            <a:r>
-              <a:rPr lang="en-US" dirty="0"/>
-              <a:t>, we start from a vertex, we first print it and then recursively call DFS for its adjacent vertices. In topological sorting, we use a temporary stack. We don’t print the vertex immediately, we first recursively call topological sorting for all its adjacent vertices, then push it to a stack. Finally, print contents of stack.</a:t>
-            </a:r>
-          </a:p>
-        </p:txBody>
-      </p:sp>
-      <p:pic>
-        <p:nvPicPr>
-          <p:cNvPr id="4" name="Picture 3"/>
-          <p:cNvPicPr>
-            <a:picLocks noChangeAspect="1"/>
-          </p:cNvPicPr>
-          <p:nvPr/>
-        </p:nvPicPr>
-        <p:blipFill>
-          <a:blip r:embed="rId3"/>
-          <a:stretch>
-            <a:fillRect/>
-          </a:stretch>
-        </p:blipFill>
-        <p:spPr>
-          <a:xfrm>
-            <a:off x="6756788" y="1690688"/>
-            <a:ext cx="4922018" cy="3972461"/>
-          </a:xfrm>
-          <a:prstGeom prst="rect">
-            <a:avLst/>
-          </a:prstGeom>
-        </p:spPr>
-      </p:pic>
-      <p:sp>
-        <p:nvSpPr>
-          <p:cNvPr id="5" name="Rectangle 4"/>
-          <p:cNvSpPr/>
-          <p:nvPr/>
-        </p:nvSpPr>
-        <p:spPr>
-          <a:xfrm>
-            <a:off x="7944592" y="2006930"/>
-            <a:ext cx="308759" cy="380010"/>
-          </a:xfrm>
-          <a:prstGeom prst="rect">
-            <a:avLst/>
-          </a:prstGeom>
-        </p:spPr>
-        <p:style>
-          <a:lnRef idx="2">
-            <a:schemeClr val="accent1">
-              <a:shade val="50000"/>
-            </a:schemeClr>
-          </a:lnRef>
-          <a:fillRef idx="1">
-            <a:schemeClr val="accent1"/>
-          </a:fillRef>
-          <a:effectRef idx="0">
-            <a:schemeClr val="accent1"/>
-          </a:effectRef>
-          <a:fontRef idx="minor">
-            <a:schemeClr val="lt1"/>
-          </a:fontRef>
-        </p:style>
-        <p:txBody>
-          <a:bodyPr rtlCol="0" anchor="ctr"/>
-          <a:lstStyle/>
-          <a:p>
-            <a:pPr algn="ctr"/>
-            <a:r>
-              <a:rPr lang="en-US" altLang="zh-CN" dirty="0"/>
-              <a:t>0</a:t>
-            </a:r>
-            <a:endParaRPr lang="en-US" dirty="0"/>
-          </a:p>
-        </p:txBody>
-      </p:sp>
-      <p:sp>
-        <p:nvSpPr>
-          <p:cNvPr id="6" name="Rectangle 5"/>
-          <p:cNvSpPr/>
-          <p:nvPr/>
-        </p:nvSpPr>
-        <p:spPr>
-          <a:xfrm>
-            <a:off x="9032740" y="3585657"/>
-            <a:ext cx="370114" cy="380010"/>
-          </a:xfrm>
-          <a:prstGeom prst="rect">
-            <a:avLst/>
-          </a:prstGeom>
-        </p:spPr>
-        <p:style>
-          <a:lnRef idx="2">
-            <a:schemeClr val="accent1">
-              <a:shade val="50000"/>
-            </a:schemeClr>
-          </a:lnRef>
-          <a:fillRef idx="1">
-            <a:schemeClr val="accent1"/>
-          </a:fillRef>
-          <a:effectRef idx="0">
-            <a:schemeClr val="accent1"/>
-          </a:effectRef>
-          <a:fontRef idx="minor">
-            <a:schemeClr val="lt1"/>
-          </a:fontRef>
-        </p:style>
-        <p:txBody>
-          <a:bodyPr rtlCol="0" anchor="ctr"/>
-          <a:lstStyle/>
-          <a:p>
-            <a:pPr algn="ctr"/>
-            <a:r>
-              <a:rPr lang="en-US" altLang="zh-CN" dirty="0" smtClean="0"/>
-              <a:t>5</a:t>
-            </a:r>
-            <a:endParaRPr lang="en-US" dirty="0"/>
+              <a:t>u is not root of DFS tree and it has a child v such that no vertex in subtree rooted with v has a back edge to one of the ancestors (in DFS tree) of u.</a:t>
+            </a:r>
           </a:p>
         </p:txBody>
       </p:sp>
     </p:spTree>
     <p:extLst>
       <p:ext uri="{BB962C8B-B14F-4D97-AF65-F5344CB8AC3E}">
-        <p14:creationId xmlns:p14="http://schemas.microsoft.com/office/powerpoint/2010/main" val="1174424043"/>
+        <p14:creationId xmlns:p14="http://schemas.microsoft.com/office/powerpoint/2010/main" val="407854949"/>
       </p:ext>
     </p:extLst>
   </p:cSld>

--- a/handouts/graphs/Graph Examples.pptx
+++ b/handouts/graphs/Graph Examples.pptx
@@ -10,12 +10,10 @@
     <p:sldId id="258" r:id="rId4"/>
     <p:sldId id="259" r:id="rId5"/>
     <p:sldId id="260" r:id="rId6"/>
-    <p:sldId id="265" r:id="rId7"/>
-    <p:sldId id="266" r:id="rId8"/>
-    <p:sldId id="261" r:id="rId9"/>
-    <p:sldId id="262" r:id="rId10"/>
-    <p:sldId id="264" r:id="rId11"/>
-    <p:sldId id="263" r:id="rId12"/>
+    <p:sldId id="261" r:id="rId7"/>
+    <p:sldId id="262" r:id="rId8"/>
+    <p:sldId id="264" r:id="rId9"/>
+    <p:sldId id="263" r:id="rId10"/>
   </p:sldIdLst>
   <p:sldSz cx="12192000" cy="6858000"/>
   <p:notesSz cx="6858000" cy="9144000"/>
@@ -3078,320 +3076,6 @@
 </p:sld>
 </file>
 
-<file path=ppt/slides/slide10.xml><?xml version="1.0" encoding="utf-8"?>
-<p:sld xmlns:a="http://schemas.openxmlformats.org/drawingml/2006/main" xmlns:r="http://schemas.openxmlformats.org/officeDocument/2006/relationships" xmlns:p="http://schemas.openxmlformats.org/presentationml/2006/main">
-  <p:cSld>
-    <p:spTree>
-      <p:nvGrpSpPr>
-        <p:cNvPr id="1" name=""/>
-        <p:cNvGrpSpPr/>
-        <p:nvPr/>
-      </p:nvGrpSpPr>
-      <p:grpSpPr>
-        <a:xfrm>
-          <a:off x="0" y="0"/>
-          <a:ext cx="0" cy="0"/>
-          <a:chOff x="0" y="0"/>
-          <a:chExt cx="0" cy="0"/>
-        </a:xfrm>
-      </p:grpSpPr>
-      <p:sp>
-        <p:nvSpPr>
-          <p:cNvPr id="2" name="Title 1"/>
-          <p:cNvSpPr>
-            <a:spLocks noGrp="1"/>
-          </p:cNvSpPr>
-          <p:nvPr>
-            <p:ph type="title"/>
-          </p:nvPr>
-        </p:nvSpPr>
-        <p:spPr/>
-        <p:txBody>
-          <a:bodyPr/>
-          <a:lstStyle/>
-          <a:p>
-            <a:r>
-              <a:rPr lang="en-US" b="0" dirty="0" smtClean="0">
-                <a:effectLst/>
-              </a:rPr>
-              <a:t>Topological Sorting</a:t>
-            </a:r>
-            <a:endParaRPr lang="en-US" dirty="0"/>
-          </a:p>
-        </p:txBody>
-      </p:sp>
-      <p:sp>
-        <p:nvSpPr>
-          <p:cNvPr id="3" name="Content Placeholder 2"/>
-          <p:cNvSpPr>
-            <a:spLocks noGrp="1"/>
-          </p:cNvSpPr>
-          <p:nvPr>
-            <p:ph idx="1"/>
-          </p:nvPr>
-        </p:nvSpPr>
-        <p:spPr/>
-        <p:txBody>
-          <a:bodyPr/>
-          <a:lstStyle/>
-          <a:p>
-            <a:pPr fontAlgn="base"/>
-            <a:r>
-              <a:rPr lang="en-US" dirty="0" smtClean="0"/>
-              <a:t>Topological </a:t>
-            </a:r>
-            <a:r>
-              <a:rPr lang="en-US" dirty="0"/>
-              <a:t>sorting for Directed Acyclic Graph (DAG) is a linear ordering of vertices such that for every directed edge </a:t>
-            </a:r>
-            <a:r>
-              <a:rPr lang="en-US" dirty="0" err="1"/>
-              <a:t>uv</a:t>
-            </a:r>
-            <a:r>
-              <a:rPr lang="en-US" dirty="0"/>
-              <a:t>, vertex u comes before v in the ordering. Topological Sorting for a graph is not possible if the graph is not a DAG.</a:t>
-            </a:r>
-          </a:p>
-          <a:p>
-            <a:endParaRPr lang="en-US" dirty="0"/>
-          </a:p>
-        </p:txBody>
-      </p:sp>
-    </p:spTree>
-    <p:extLst>
-      <p:ext uri="{BB962C8B-B14F-4D97-AF65-F5344CB8AC3E}">
-        <p14:creationId xmlns:p14="http://schemas.microsoft.com/office/powerpoint/2010/main" val="1022691124"/>
-      </p:ext>
-    </p:extLst>
-  </p:cSld>
-  <p:clrMapOvr>
-    <a:masterClrMapping/>
-  </p:clrMapOvr>
-</p:sld>
-</file>
-
-<file path=ppt/slides/slide11.xml><?xml version="1.0" encoding="utf-8"?>
-<p:sld xmlns:a="http://schemas.openxmlformats.org/drawingml/2006/main" xmlns:r="http://schemas.openxmlformats.org/officeDocument/2006/relationships" xmlns:p="http://schemas.openxmlformats.org/presentationml/2006/main">
-  <p:cSld>
-    <p:spTree>
-      <p:nvGrpSpPr>
-        <p:cNvPr id="1" name=""/>
-        <p:cNvGrpSpPr/>
-        <p:nvPr/>
-      </p:nvGrpSpPr>
-      <p:grpSpPr>
-        <a:xfrm>
-          <a:off x="0" y="0"/>
-          <a:ext cx="0" cy="0"/>
-          <a:chOff x="0" y="0"/>
-          <a:chExt cx="0" cy="0"/>
-        </a:xfrm>
-      </p:grpSpPr>
-      <p:sp>
-        <p:nvSpPr>
-          <p:cNvPr id="2" name="Title 1"/>
-          <p:cNvSpPr>
-            <a:spLocks noGrp="1"/>
-          </p:cNvSpPr>
-          <p:nvPr>
-            <p:ph type="title"/>
-          </p:nvPr>
-        </p:nvSpPr>
-        <p:spPr/>
-        <p:txBody>
-          <a:bodyPr/>
-          <a:lstStyle/>
-          <a:p>
-            <a:r>
-              <a:rPr lang="en-US" b="0" dirty="0" smtClean="0">
-                <a:effectLst/>
-              </a:rPr>
-              <a:t>Topological Sorting</a:t>
-            </a:r>
-            <a:br>
-              <a:rPr lang="en-US" b="0" dirty="0" smtClean="0">
-                <a:effectLst/>
-              </a:rPr>
-            </a:br>
-            <a:endParaRPr lang="en-US" dirty="0"/>
-          </a:p>
-        </p:txBody>
-      </p:sp>
-      <p:sp>
-        <p:nvSpPr>
-          <p:cNvPr id="3" name="Content Placeholder 2"/>
-          <p:cNvSpPr>
-            <a:spLocks noGrp="1"/>
-          </p:cNvSpPr>
-          <p:nvPr>
-            <p:ph idx="1"/>
-          </p:nvPr>
-        </p:nvSpPr>
-        <p:spPr>
-          <a:xfrm>
-            <a:off x="726678" y="1599993"/>
-            <a:ext cx="5705104" cy="4351338"/>
-          </a:xfrm>
-        </p:spPr>
-        <p:txBody>
-          <a:bodyPr>
-            <a:normAutofit lnSpcReduction="10000"/>
-          </a:bodyPr>
-          <a:lstStyle/>
-          <a:p>
-            <a:r>
-              <a:rPr lang="en-US" dirty="0"/>
-              <a:t>We can modify </a:t>
-            </a:r>
-            <a:r>
-              <a:rPr lang="en-US" dirty="0">
-                <a:hlinkClick r:id="rId2"/>
-              </a:rPr>
-              <a:t>DFS </a:t>
-            </a:r>
-            <a:r>
-              <a:rPr lang="en-US" dirty="0"/>
-              <a:t>to find Topological Sorting of a graph. In </a:t>
-            </a:r>
-            <a:r>
-              <a:rPr lang="en-US" dirty="0">
-                <a:hlinkClick r:id="rId2"/>
-              </a:rPr>
-              <a:t>DFS</a:t>
-            </a:r>
-            <a:r>
-              <a:rPr lang="en-US" dirty="0"/>
-              <a:t>, we start from a vertex, we first print it and then recursively call DFS for its adjacent vertices. In topological sorting, we use a temporary stack. We don’t print the vertex immediately, we first recursively call topological sorting for all its adjacent vertices, then push it to a stack. Finally, print contents of stack.</a:t>
-            </a:r>
-          </a:p>
-        </p:txBody>
-      </p:sp>
-      <p:pic>
-        <p:nvPicPr>
-          <p:cNvPr id="4" name="Picture 3"/>
-          <p:cNvPicPr>
-            <a:picLocks noChangeAspect="1"/>
-          </p:cNvPicPr>
-          <p:nvPr/>
-        </p:nvPicPr>
-        <p:blipFill>
-          <a:blip r:embed="rId3"/>
-          <a:stretch>
-            <a:fillRect/>
-          </a:stretch>
-        </p:blipFill>
-        <p:spPr>
-          <a:xfrm>
-            <a:off x="6756788" y="1690688"/>
-            <a:ext cx="4922018" cy="3972461"/>
-          </a:xfrm>
-          <a:prstGeom prst="rect">
-            <a:avLst/>
-          </a:prstGeom>
-        </p:spPr>
-      </p:pic>
-      <p:sp>
-        <p:nvSpPr>
-          <p:cNvPr id="5" name="Rectangle 4"/>
-          <p:cNvSpPr/>
-          <p:nvPr/>
-        </p:nvSpPr>
-        <p:spPr>
-          <a:xfrm>
-            <a:off x="7944592" y="2006930"/>
-            <a:ext cx="308759" cy="380010"/>
-          </a:xfrm>
-          <a:prstGeom prst="rect">
-            <a:avLst/>
-          </a:prstGeom>
-        </p:spPr>
-        <p:style>
-          <a:lnRef idx="2">
-            <a:schemeClr val="accent1">
-              <a:shade val="50000"/>
-            </a:schemeClr>
-          </a:lnRef>
-          <a:fillRef idx="1">
-            <a:schemeClr val="accent1"/>
-          </a:fillRef>
-          <a:effectRef idx="0">
-            <a:schemeClr val="accent1"/>
-          </a:effectRef>
-          <a:fontRef idx="minor">
-            <a:schemeClr val="lt1"/>
-          </a:fontRef>
-        </p:style>
-        <p:txBody>
-          <a:bodyPr rtlCol="0" anchor="ctr"/>
-          <a:lstStyle/>
-          <a:p>
-            <a:pPr algn="ctr"/>
-            <a:r>
-              <a:rPr lang="en-US" altLang="zh-CN" dirty="0"/>
-              <a:t>0</a:t>
-            </a:r>
-            <a:endParaRPr lang="en-US" dirty="0"/>
-          </a:p>
-        </p:txBody>
-      </p:sp>
-      <p:sp>
-        <p:nvSpPr>
-          <p:cNvPr id="6" name="Rectangle 5"/>
-          <p:cNvSpPr/>
-          <p:nvPr/>
-        </p:nvSpPr>
-        <p:spPr>
-          <a:xfrm>
-            <a:off x="9032740" y="3585657"/>
-            <a:ext cx="370114" cy="380010"/>
-          </a:xfrm>
-          <a:prstGeom prst="rect">
-            <a:avLst/>
-          </a:prstGeom>
-        </p:spPr>
-        <p:style>
-          <a:lnRef idx="2">
-            <a:schemeClr val="accent1">
-              <a:shade val="50000"/>
-            </a:schemeClr>
-          </a:lnRef>
-          <a:fillRef idx="1">
-            <a:schemeClr val="accent1"/>
-          </a:fillRef>
-          <a:effectRef idx="0">
-            <a:schemeClr val="accent1"/>
-          </a:effectRef>
-          <a:fontRef idx="minor">
-            <a:schemeClr val="lt1"/>
-          </a:fontRef>
-        </p:style>
-        <p:txBody>
-          <a:bodyPr rtlCol="0" anchor="ctr"/>
-          <a:lstStyle/>
-          <a:p>
-            <a:pPr algn="ctr"/>
-            <a:r>
-              <a:rPr lang="en-US" altLang="zh-CN" dirty="0" smtClean="0"/>
-              <a:t>5</a:t>
-            </a:r>
-            <a:endParaRPr lang="en-US" dirty="0"/>
-          </a:p>
-        </p:txBody>
-      </p:sp>
-    </p:spTree>
-    <p:extLst>
-      <p:ext uri="{BB962C8B-B14F-4D97-AF65-F5344CB8AC3E}">
-        <p14:creationId xmlns:p14="http://schemas.microsoft.com/office/powerpoint/2010/main" val="1174424043"/>
-      </p:ext>
-    </p:extLst>
-  </p:cSld>
-  <p:clrMapOvr>
-    <a:masterClrMapping/>
-  </p:clrMapOvr>
-</p:sld>
-</file>
-
 <file path=ppt/slides/slide2.xml><?xml version="1.0" encoding="utf-8"?>
 <p:sld xmlns:a="http://schemas.openxmlformats.org/drawingml/2006/main" xmlns:r="http://schemas.openxmlformats.org/officeDocument/2006/relationships" xmlns:p="http://schemas.openxmlformats.org/presentationml/2006/main">
   <p:cSld>
@@ -4357,33 +4041,90 @@
           <a:bodyPr/>
           <a:lstStyle/>
           <a:p>
-            <a:endParaRPr lang="en-US"/>
-          </a:p>
-        </p:txBody>
-      </p:sp>
-      <p:sp>
-        <p:nvSpPr>
-          <p:cNvPr id="3" name="Content Placeholder 2"/>
-          <p:cNvSpPr>
-            <a:spLocks noGrp="1"/>
-          </p:cNvSpPr>
-          <p:nvPr>
-            <p:ph idx="1"/>
-          </p:nvPr>
-        </p:nvSpPr>
-        <p:spPr/>
-        <p:txBody>
-          <a:bodyPr/>
-          <a:lstStyle/>
-          <a:p>
-            <a:endParaRPr lang="en-US"/>
-          </a:p>
-        </p:txBody>
-      </p:sp>
+            <a:r>
+              <a:rPr lang="en-US" b="1" dirty="0"/>
+              <a:t>How to find all articulation points in a given graph?</a:t>
+            </a:r>
+            <a:endParaRPr lang="en-US" dirty="0"/>
+          </a:p>
+        </p:txBody>
+      </p:sp>
+      <p:pic>
+        <p:nvPicPr>
+          <p:cNvPr id="5" name="Picture 4"/>
+          <p:cNvPicPr>
+            <a:picLocks noChangeAspect="1"/>
+          </p:cNvPicPr>
+          <p:nvPr/>
+        </p:nvPicPr>
+        <p:blipFill>
+          <a:blip r:embed="rId2"/>
+          <a:stretch>
+            <a:fillRect/>
+          </a:stretch>
+        </p:blipFill>
+        <p:spPr>
+          <a:xfrm>
+            <a:off x="652153" y="2371354"/>
+            <a:ext cx="3810000" cy="2400300"/>
+          </a:xfrm>
+          <a:prstGeom prst="rect">
+            <a:avLst/>
+          </a:prstGeom>
+        </p:spPr>
+      </p:pic>
+      <p:pic>
+        <p:nvPicPr>
+          <p:cNvPr id="6" name="Picture 5"/>
+          <p:cNvPicPr>
+            <a:picLocks noChangeAspect="1"/>
+          </p:cNvPicPr>
+          <p:nvPr/>
+        </p:nvPicPr>
+        <p:blipFill>
+          <a:blip r:embed="rId3"/>
+          <a:stretch>
+            <a:fillRect/>
+          </a:stretch>
+        </p:blipFill>
+        <p:spPr>
+          <a:xfrm>
+            <a:off x="4968092" y="1963387"/>
+            <a:ext cx="1638300" cy="3810000"/>
+          </a:xfrm>
+          <a:prstGeom prst="rect">
+            <a:avLst/>
+          </a:prstGeom>
+        </p:spPr>
+      </p:pic>
+      <p:pic>
+        <p:nvPicPr>
+          <p:cNvPr id="7" name="Picture 6"/>
+          <p:cNvPicPr>
+            <a:picLocks noChangeAspect="1"/>
+          </p:cNvPicPr>
+          <p:nvPr/>
+        </p:nvPicPr>
+        <p:blipFill>
+          <a:blip r:embed="rId4"/>
+          <a:stretch>
+            <a:fillRect/>
+          </a:stretch>
+        </p:blipFill>
+        <p:spPr>
+          <a:xfrm>
+            <a:off x="7112331" y="2371354"/>
+            <a:ext cx="3810000" cy="2247900"/>
+          </a:xfrm>
+          <a:prstGeom prst="rect">
+            <a:avLst/>
+          </a:prstGeom>
+        </p:spPr>
+      </p:pic>
     </p:spTree>
     <p:extLst>
       <p:ext uri="{BB962C8B-B14F-4D97-AF65-F5344CB8AC3E}">
-        <p14:creationId xmlns:p14="http://schemas.microsoft.com/office/powerpoint/2010/main" val="1327224905"/>
+        <p14:creationId xmlns:p14="http://schemas.microsoft.com/office/powerpoint/2010/main" val="1053835763"/>
       </p:ext>
     </p:extLst>
   </p:cSld>
@@ -4425,7 +4166,11 @@
           <a:bodyPr/>
           <a:lstStyle/>
           <a:p>
-            <a:endParaRPr lang="en-US"/>
+            <a:r>
+              <a:rPr lang="en-US" b="1" dirty="0"/>
+              <a:t>How to find all articulation points in a given graph?</a:t>
+            </a:r>
+            <a:endParaRPr lang="en-US" dirty="0"/>
           </a:p>
         </p:txBody>
       </p:sp>
@@ -4444,14 +4189,26 @@
           <a:bodyPr/>
           <a:lstStyle/>
           <a:p>
-            <a:endParaRPr lang="en-US"/>
+            <a:pPr marL="0" lvl="0" indent="0">
+              <a:lnSpc>
+                <a:spcPct val="100000"/>
+              </a:lnSpc>
+              <a:spcBef>
+                <a:spcPts val="0"/>
+              </a:spcBef>
+              <a:buNone/>
+            </a:pPr>
+            <a:r>
+              <a:rPr lang="en-US" dirty="0"/>
+              <a:t>u is not root of DFS tree and it has a child v such that no vertex in subtree rooted with v has a back edge to one of the ancestors (in DFS tree) of u.</a:t>
+            </a:r>
           </a:p>
         </p:txBody>
       </p:sp>
     </p:spTree>
     <p:extLst>
       <p:ext uri="{BB962C8B-B14F-4D97-AF65-F5344CB8AC3E}">
-        <p14:creationId xmlns:p14="http://schemas.microsoft.com/office/powerpoint/2010/main" val="756336946"/>
+        <p14:creationId xmlns:p14="http://schemas.microsoft.com/office/powerpoint/2010/main" val="407854949"/>
       </p:ext>
     </p:extLst>
   </p:cSld>
@@ -4494,89 +4251,57 @@
           <a:lstStyle/>
           <a:p>
             <a:r>
-              <a:rPr lang="en-US" b="1" dirty="0"/>
-              <a:t>How to find all articulation points in a given graph?</a:t>
+              <a:rPr lang="en-US" b="0" dirty="0" smtClean="0">
+                <a:effectLst/>
+              </a:rPr>
+              <a:t>Topological Sorting</a:t>
             </a:r>
             <a:endParaRPr lang="en-US" dirty="0"/>
           </a:p>
         </p:txBody>
       </p:sp>
-      <p:pic>
-        <p:nvPicPr>
-          <p:cNvPr id="5" name="Picture 4"/>
-          <p:cNvPicPr>
-            <a:picLocks noChangeAspect="1"/>
-          </p:cNvPicPr>
-          <p:nvPr/>
-        </p:nvPicPr>
-        <p:blipFill>
-          <a:blip r:embed="rId2"/>
-          <a:stretch>
-            <a:fillRect/>
-          </a:stretch>
-        </p:blipFill>
-        <p:spPr>
-          <a:xfrm>
-            <a:off x="652153" y="2371354"/>
-            <a:ext cx="3810000" cy="2400300"/>
-          </a:xfrm>
-          <a:prstGeom prst="rect">
-            <a:avLst/>
-          </a:prstGeom>
-        </p:spPr>
-      </p:pic>
-      <p:pic>
-        <p:nvPicPr>
-          <p:cNvPr id="6" name="Picture 5"/>
-          <p:cNvPicPr>
-            <a:picLocks noChangeAspect="1"/>
-          </p:cNvPicPr>
-          <p:nvPr/>
-        </p:nvPicPr>
-        <p:blipFill>
-          <a:blip r:embed="rId3"/>
-          <a:stretch>
-            <a:fillRect/>
-          </a:stretch>
-        </p:blipFill>
-        <p:spPr>
-          <a:xfrm>
-            <a:off x="4968092" y="1963387"/>
-            <a:ext cx="1638300" cy="3810000"/>
-          </a:xfrm>
-          <a:prstGeom prst="rect">
-            <a:avLst/>
-          </a:prstGeom>
-        </p:spPr>
-      </p:pic>
-      <p:pic>
-        <p:nvPicPr>
-          <p:cNvPr id="7" name="Picture 6"/>
-          <p:cNvPicPr>
-            <a:picLocks noChangeAspect="1"/>
-          </p:cNvPicPr>
-          <p:nvPr/>
-        </p:nvPicPr>
-        <p:blipFill>
-          <a:blip r:embed="rId4"/>
-          <a:stretch>
-            <a:fillRect/>
-          </a:stretch>
-        </p:blipFill>
-        <p:spPr>
-          <a:xfrm>
-            <a:off x="7112331" y="2371354"/>
-            <a:ext cx="3810000" cy="2247900"/>
-          </a:xfrm>
-          <a:prstGeom prst="rect">
-            <a:avLst/>
-          </a:prstGeom>
-        </p:spPr>
-      </p:pic>
+      <p:sp>
+        <p:nvSpPr>
+          <p:cNvPr id="3" name="Content Placeholder 2"/>
+          <p:cNvSpPr>
+            <a:spLocks noGrp="1"/>
+          </p:cNvSpPr>
+          <p:nvPr>
+            <p:ph idx="1"/>
+          </p:nvPr>
+        </p:nvSpPr>
+        <p:spPr/>
+        <p:txBody>
+          <a:bodyPr/>
+          <a:lstStyle/>
+          <a:p>
+            <a:pPr fontAlgn="base"/>
+            <a:r>
+              <a:rPr lang="en-US" dirty="0" smtClean="0"/>
+              <a:t>Topological </a:t>
+            </a:r>
+            <a:r>
+              <a:rPr lang="en-US" dirty="0"/>
+              <a:t>sorting for Directed Acyclic Graph (DAG) is a linear ordering of vertices such that for every directed edge </a:t>
+            </a:r>
+            <a:r>
+              <a:rPr lang="en-US" dirty="0" err="1"/>
+              <a:t>uv</a:t>
+            </a:r>
+            <a:r>
+              <a:rPr lang="en-US" dirty="0"/>
+              <a:t>, vertex u comes before v in the ordering. Topological Sorting for a graph is not possible if the graph is not a DAG.</a:t>
+            </a:r>
+          </a:p>
+          <a:p>
+            <a:endParaRPr lang="en-US" dirty="0"/>
+          </a:p>
+        </p:txBody>
+      </p:sp>
     </p:spTree>
     <p:extLst>
       <p:ext uri="{BB962C8B-B14F-4D97-AF65-F5344CB8AC3E}">
-        <p14:creationId xmlns:p14="http://schemas.microsoft.com/office/powerpoint/2010/main" val="1053835763"/>
+        <p14:creationId xmlns:p14="http://schemas.microsoft.com/office/powerpoint/2010/main" val="1022691124"/>
       </p:ext>
     </p:extLst>
   </p:cSld>
@@ -4619,9 +4344,16 @@
           <a:lstStyle/>
           <a:p>
             <a:r>
-              <a:rPr lang="en-US" b="1" dirty="0"/>
-              <a:t>How to find all articulation points in a given graph?</a:t>
-            </a:r>
+              <a:rPr lang="en-US" b="0" dirty="0" smtClean="0">
+                <a:effectLst/>
+              </a:rPr>
+              <a:t>Topological Sorting</a:t>
+            </a:r>
+            <a:br>
+              <a:rPr lang="en-US" b="0" dirty="0" smtClean="0">
+                <a:effectLst/>
+              </a:rPr>
+            </a:br>
             <a:endParaRPr lang="en-US" dirty="0"/>
           </a:p>
         </p:txBody>
@@ -4636,31 +4368,161 @@
             <p:ph idx="1"/>
           </p:nvPr>
         </p:nvSpPr>
-        <p:spPr/>
-        <p:txBody>
-          <a:bodyPr/>
-          <a:lstStyle/>
-          <a:p>
-            <a:pPr marL="0" lvl="0" indent="0">
-              <a:lnSpc>
-                <a:spcPct val="100000"/>
-              </a:lnSpc>
-              <a:spcBef>
-                <a:spcPts val="0"/>
-              </a:spcBef>
-              <a:buNone/>
-            </a:pPr>
+        <p:spPr>
+          <a:xfrm>
+            <a:off x="726678" y="1599993"/>
+            <a:ext cx="5705104" cy="4351338"/>
+          </a:xfrm>
+        </p:spPr>
+        <p:txBody>
+          <a:bodyPr>
+            <a:normAutofit lnSpcReduction="10000"/>
+          </a:bodyPr>
+          <a:lstStyle/>
+          <a:p>
             <a:r>
               <a:rPr lang="en-US" dirty="0"/>
-              <a:t>u is not root of DFS tree and it has a child v such that no vertex in subtree rooted with v has a back edge to one of the ancestors (in DFS tree) of u.</a:t>
-            </a:r>
+              <a:t>We can modify </a:t>
+            </a:r>
+            <a:r>
+              <a:rPr lang="en-US" dirty="0">
+                <a:hlinkClick r:id="rId2"/>
+              </a:rPr>
+              <a:t>DFS </a:t>
+            </a:r>
+            <a:r>
+              <a:rPr lang="en-US" dirty="0"/>
+              <a:t>to find Topological Sorting of a graph. In </a:t>
+            </a:r>
+            <a:r>
+              <a:rPr lang="en-US" dirty="0">
+                <a:hlinkClick r:id="rId2"/>
+              </a:rPr>
+              <a:t>DFS</a:t>
+            </a:r>
+            <a:r>
+              <a:rPr lang="en-US" dirty="0"/>
+              <a:t>, we start from a vertex, we first print it and then recursively call DFS for its adjacent vertices. In topological sorting, we use a temporary stack. We don’t print the vertex immediately, we first recursively call topological sorting for all its adjacent vertices, then push it to a stack. Finally, print contents of stack.</a:t>
+            </a:r>
+          </a:p>
+        </p:txBody>
+      </p:sp>
+      <p:pic>
+        <p:nvPicPr>
+          <p:cNvPr id="4" name="Picture 3"/>
+          <p:cNvPicPr>
+            <a:picLocks noChangeAspect="1"/>
+          </p:cNvPicPr>
+          <p:nvPr/>
+        </p:nvPicPr>
+        <p:blipFill>
+          <a:blip r:embed="rId3"/>
+          <a:stretch>
+            <a:fillRect/>
+          </a:stretch>
+        </p:blipFill>
+        <p:spPr>
+          <a:xfrm>
+            <a:off x="6756788" y="1690688"/>
+            <a:ext cx="4922018" cy="3972461"/>
+          </a:xfrm>
+          <a:prstGeom prst="rect">
+            <a:avLst/>
+          </a:prstGeom>
+        </p:spPr>
+      </p:pic>
+      <p:sp>
+        <p:nvSpPr>
+          <p:cNvPr id="5" name="Rectangle 4"/>
+          <p:cNvSpPr/>
+          <p:nvPr/>
+        </p:nvSpPr>
+        <p:spPr>
+          <a:xfrm>
+            <a:off x="7944592" y="2006930"/>
+            <a:ext cx="308759" cy="380010"/>
+          </a:xfrm>
+          <a:prstGeom prst="rect">
+            <a:avLst/>
+          </a:prstGeom>
+        </p:spPr>
+        <p:style>
+          <a:lnRef idx="2">
+            <a:schemeClr val="accent1">
+              <a:shade val="50000"/>
+            </a:schemeClr>
+          </a:lnRef>
+          <a:fillRef idx="1">
+            <a:schemeClr val="accent1"/>
+          </a:fillRef>
+          <a:effectRef idx="0">
+            <a:schemeClr val="accent1"/>
+          </a:effectRef>
+          <a:fontRef idx="minor">
+            <a:schemeClr val="lt1"/>
+          </a:fontRef>
+        </p:style>
+        <p:txBody>
+          <a:bodyPr rtlCol="0" anchor="ctr"/>
+          <a:lstStyle/>
+          <a:p>
+            <a:pPr algn="ctr"/>
+            <a:r>
+              <a:rPr lang="en-US" altLang="zh-CN" dirty="0"/>
+              <a:t>0</a:t>
+            </a:r>
+            <a:endParaRPr lang="en-US" dirty="0"/>
+          </a:p>
+        </p:txBody>
+      </p:sp>
+      <p:sp>
+        <p:nvSpPr>
+          <p:cNvPr id="6" name="Rectangle 5"/>
+          <p:cNvSpPr/>
+          <p:nvPr/>
+        </p:nvSpPr>
+        <p:spPr>
+          <a:xfrm>
+            <a:off x="9032740" y="3585657"/>
+            <a:ext cx="370114" cy="380010"/>
+          </a:xfrm>
+          <a:prstGeom prst="rect">
+            <a:avLst/>
+          </a:prstGeom>
+        </p:spPr>
+        <p:style>
+          <a:lnRef idx="2">
+            <a:schemeClr val="accent1">
+              <a:shade val="50000"/>
+            </a:schemeClr>
+          </a:lnRef>
+          <a:fillRef idx="1">
+            <a:schemeClr val="accent1"/>
+          </a:fillRef>
+          <a:effectRef idx="0">
+            <a:schemeClr val="accent1"/>
+          </a:effectRef>
+          <a:fontRef idx="minor">
+            <a:schemeClr val="lt1"/>
+          </a:fontRef>
+        </p:style>
+        <p:txBody>
+          <a:bodyPr rtlCol="0" anchor="ctr"/>
+          <a:lstStyle/>
+          <a:p>
+            <a:pPr algn="ctr"/>
+            <a:r>
+              <a:rPr lang="en-US" altLang="zh-CN" dirty="0" smtClean="0"/>
+              <a:t>5</a:t>
+            </a:r>
+            <a:endParaRPr lang="en-US" dirty="0"/>
           </a:p>
         </p:txBody>
       </p:sp>
     </p:spTree>
     <p:extLst>
       <p:ext uri="{BB962C8B-B14F-4D97-AF65-F5344CB8AC3E}">
-        <p14:creationId xmlns:p14="http://schemas.microsoft.com/office/powerpoint/2010/main" val="407854949"/>
+        <p14:creationId xmlns:p14="http://schemas.microsoft.com/office/powerpoint/2010/main" val="1174424043"/>
       </p:ext>
     </p:extLst>
   </p:cSld>
